--- a/Alumno/Defensa-Proyecto/Presentación.pptx
+++ b/Alumno/Defensa-Proyecto/Presentación.pptx
@@ -225,7 +225,7 @@
           <a:p>
             <a:fld id="{77BAFAC6-4FB1-42CD-A1A8-C43BBBFB141F}" type="datetimeFigureOut">
               <a:rPr lang="es-ES" smtClean="0"/>
-              <a:t>15/06/2016</a:t>
+              <a:t>17/06/2016</a:t>
             </a:fld>
             <a:endParaRPr lang="es-ES"/>
           </a:p>
@@ -395,7 +395,7 @@
           <a:p>
             <a:fld id="{1CEBE54B-BEC2-4481-AD1A-418116890CD3}" type="datetimeFigureOut">
               <a:rPr lang="es-ES" smtClean="0"/>
-              <a:t>15/06/2016</a:t>
+              <a:t>17/06/2016</a:t>
             </a:fld>
             <a:endParaRPr lang="es-ES"/>
           </a:p>
@@ -2993,7 +2993,7 @@
             <a:fld id="{B61BEF0D-F0BB-DE4B-95CE-6DB70DBA9567}" type="datetimeFigureOut">
               <a:rPr lang="en-US" smtClean="0"/>
               <a:pPr/>
-              <a:t>6/15/2016</a:t>
+              <a:t>6/17/2016</a:t>
             </a:fld>
             <a:endParaRPr lang="en-US"/>
           </a:p>
@@ -3333,7 +3333,7 @@
             <a:fld id="{B61BEF0D-F0BB-DE4B-95CE-6DB70DBA9567}" type="datetimeFigureOut">
               <a:rPr lang="en-US" smtClean="0"/>
               <a:pPr/>
-              <a:t>6/15/2016</a:t>
+              <a:t>6/17/2016</a:t>
             </a:fld>
             <a:endParaRPr lang="en-US"/>
           </a:p>
@@ -3736,7 +3736,7 @@
             <a:fld id="{B61BEF0D-F0BB-DE4B-95CE-6DB70DBA9567}" type="datetimeFigureOut">
               <a:rPr lang="en-US" smtClean="0"/>
               <a:pPr/>
-              <a:t>6/15/2016</a:t>
+              <a:t>6/17/2016</a:t>
             </a:fld>
             <a:endParaRPr lang="en-US"/>
           </a:p>
@@ -4074,7 +4074,7 @@
             <a:fld id="{B61BEF0D-F0BB-DE4B-95CE-6DB70DBA9567}" type="datetimeFigureOut">
               <a:rPr lang="en-US" smtClean="0"/>
               <a:pPr/>
-              <a:t>6/15/2016</a:t>
+              <a:t>6/17/2016</a:t>
             </a:fld>
             <a:endParaRPr lang="en-US"/>
           </a:p>
@@ -4396,7 +4396,7 @@
             <a:fld id="{B61BEF0D-F0BB-DE4B-95CE-6DB70DBA9567}" type="datetimeFigureOut">
               <a:rPr lang="en-US" smtClean="0"/>
               <a:pPr/>
-              <a:t>6/15/2016</a:t>
+              <a:t>6/17/2016</a:t>
             </a:fld>
             <a:endParaRPr lang="en-US"/>
           </a:p>
@@ -4794,7 +4794,7 @@
             <a:fld id="{B61BEF0D-F0BB-DE4B-95CE-6DB70DBA9567}" type="datetimeFigureOut">
               <a:rPr lang="en-US" smtClean="0"/>
               <a:pPr/>
-              <a:t>6/15/2016</a:t>
+              <a:t>6/17/2016</a:t>
             </a:fld>
             <a:endParaRPr lang="en-US"/>
           </a:p>
@@ -5053,7 +5053,7 @@
             <a:fld id="{B61BEF0D-F0BB-DE4B-95CE-6DB70DBA9567}" type="datetimeFigureOut">
               <a:rPr lang="en-US" smtClean="0"/>
               <a:pPr/>
-              <a:t>6/15/2016</a:t>
+              <a:t>6/17/2016</a:t>
             </a:fld>
             <a:endParaRPr lang="en-US"/>
           </a:p>
@@ -5317,7 +5317,7 @@
             <a:fld id="{B61BEF0D-F0BB-DE4B-95CE-6DB70DBA9567}" type="datetimeFigureOut">
               <a:rPr lang="en-US" smtClean="0"/>
               <a:pPr/>
-              <a:t>6/15/2016</a:t>
+              <a:t>6/17/2016</a:t>
             </a:fld>
             <a:endParaRPr lang="en-US"/>
           </a:p>
@@ -5581,7 +5581,7 @@
             <a:fld id="{B61BEF0D-F0BB-DE4B-95CE-6DB70DBA9567}" type="datetimeFigureOut">
               <a:rPr lang="en-US" smtClean="0"/>
               <a:pPr/>
-              <a:t>6/15/2016</a:t>
+              <a:t>6/17/2016</a:t>
             </a:fld>
             <a:endParaRPr lang="en-US"/>
           </a:p>
@@ -5912,7 +5912,7 @@
             <a:fld id="{B61BEF0D-F0BB-DE4B-95CE-6DB70DBA9567}" type="datetimeFigureOut">
               <a:rPr lang="en-US" smtClean="0"/>
               <a:pPr/>
-              <a:t>6/15/2016</a:t>
+              <a:t>6/17/2016</a:t>
             </a:fld>
             <a:endParaRPr lang="en-US"/>
           </a:p>
@@ -6237,7 +6237,7 @@
             <a:fld id="{B61BEF0D-F0BB-DE4B-95CE-6DB70DBA9567}" type="datetimeFigureOut">
               <a:rPr lang="en-US" smtClean="0"/>
               <a:pPr/>
-              <a:t>6/15/2016</a:t>
+              <a:t>6/17/2016</a:t>
             </a:fld>
             <a:endParaRPr lang="en-US"/>
           </a:p>
@@ -6696,7 +6696,7 @@
             <a:fld id="{B61BEF0D-F0BB-DE4B-95CE-6DB70DBA9567}" type="datetimeFigureOut">
               <a:rPr lang="en-US" smtClean="0"/>
               <a:pPr/>
-              <a:t>6/15/2016</a:t>
+              <a:t>6/17/2016</a:t>
             </a:fld>
             <a:endParaRPr lang="en-US"/>
           </a:p>
@@ -6903,7 +6903,7 @@
             <a:fld id="{B61BEF0D-F0BB-DE4B-95CE-6DB70DBA9567}" type="datetimeFigureOut">
               <a:rPr lang="en-US" smtClean="0"/>
               <a:pPr/>
-              <a:t>6/15/2016</a:t>
+              <a:t>6/17/2016</a:t>
             </a:fld>
             <a:endParaRPr lang="en-US"/>
           </a:p>
@@ -7082,7 +7082,7 @@
             <a:fld id="{B61BEF0D-F0BB-DE4B-95CE-6DB70DBA9567}" type="datetimeFigureOut">
               <a:rPr lang="en-US" smtClean="0"/>
               <a:pPr/>
-              <a:t>6/15/2016</a:t>
+              <a:t>6/17/2016</a:t>
             </a:fld>
             <a:endParaRPr lang="en-US"/>
           </a:p>
@@ -7417,7 +7417,7 @@
             <a:fld id="{B61BEF0D-F0BB-DE4B-95CE-6DB70DBA9567}" type="datetimeFigureOut">
               <a:rPr lang="en-US" smtClean="0"/>
               <a:pPr/>
-              <a:t>6/15/2016</a:t>
+              <a:t>6/17/2016</a:t>
             </a:fld>
             <a:endParaRPr lang="en-US"/>
           </a:p>
@@ -7764,7 +7764,7 @@
             <a:fld id="{B61BEF0D-F0BB-DE4B-95CE-6DB70DBA9567}" type="datetimeFigureOut">
               <a:rPr lang="en-US" smtClean="0"/>
               <a:pPr/>
-              <a:t>6/15/2016</a:t>
+              <a:t>6/17/2016</a:t>
             </a:fld>
             <a:endParaRPr lang="en-US"/>
           </a:p>
@@ -9883,7 +9883,7 @@
             <a:fld id="{B61BEF0D-F0BB-DE4B-95CE-6DB70DBA9567}" type="datetimeFigureOut">
               <a:rPr lang="en-US" smtClean="0"/>
               <a:pPr/>
-              <a:t>6/15/2016</a:t>
+              <a:t>6/17/2016</a:t>
             </a:fld>
             <a:endParaRPr lang="en-US"/>
           </a:p>
@@ -10760,11 +10760,15 @@
             </a:r>
             <a:r>
               <a:rPr lang="es-ES" dirty="0"/>
-              <a:t>: se realiza la compra, se genera su albarán y su factura correspondiente, y </a:t>
+              <a:t>: se realiza la compra, se genera su albarán y su factura correspondiente, </a:t>
             </a:r>
             <a:r>
               <a:rPr lang="es-ES" dirty="0" smtClean="0"/>
-              <a:t>pudiendo verlas en </a:t>
+              <a:t>pudiendo </a:t>
+            </a:r>
+            <a:r>
+              <a:rPr lang="es-ES" dirty="0" smtClean="0"/>
+              <a:t>verlas en </a:t>
             </a:r>
             <a:r>
               <a:rPr lang="es-ES" dirty="0"/>
@@ -11894,7 +11898,7 @@
         </p:blipFill>
         <p:spPr>
           <a:xfrm>
-            <a:off x="1790163" y="1275008"/>
+            <a:off x="1790163" y="1388118"/>
             <a:ext cx="3767187" cy="2592000"/>
           </a:xfrm>
           <a:prstGeom prst="rect">
@@ -11934,7 +11938,7 @@
         </p:blipFill>
         <p:spPr>
           <a:xfrm>
-            <a:off x="7118740" y="1275008"/>
+            <a:off x="7118740" y="1388118"/>
             <a:ext cx="3767186" cy="2592000"/>
           </a:xfrm>
           <a:prstGeom prst="rect">
@@ -13368,7 +13372,7 @@
         </p:blipFill>
         <p:spPr>
           <a:xfrm>
-            <a:off x="2752403" y="1275008"/>
+            <a:off x="2752404" y="1275008"/>
             <a:ext cx="8172556" cy="5482290"/>
           </a:xfrm>
           <a:prstGeom prst="rect">
@@ -13496,11 +13500,7 @@
             </a:pPr>
             <a:r>
               <a:rPr lang="es-ES" b="1" dirty="0" smtClean="0"/>
-              <a:t>                	</a:t>
-            </a:r>
-            <a:r>
-              <a:rPr lang="es-ES" b="1" dirty="0" smtClean="0"/>
-              <a:t>HTML </a:t>
+              <a:t>                	HTML </a:t>
             </a:r>
             <a:r>
               <a:rPr lang="es-ES" b="1" dirty="0" smtClean="0">
@@ -13510,11 +13510,7 @@
             </a:r>
             <a:r>
               <a:rPr lang="es-ES" b="1" dirty="0" smtClean="0"/>
-              <a:t>		       </a:t>
-            </a:r>
-            <a:r>
-              <a:rPr lang="es-ES" b="1" dirty="0" smtClean="0"/>
-              <a:t>  CSS </a:t>
+              <a:t>		         CSS </a:t>
             </a:r>
             <a:r>
               <a:rPr lang="es-ES" b="1" dirty="0" smtClean="0">
@@ -13532,13 +13528,7 @@
               <a:rPr lang="es-ES" b="1" dirty="0" smtClean="0">
                 <a:sym typeface="Wingdings" panose="05000000000000000000" pitchFamily="2" charset="2"/>
               </a:rPr>
-              <a:t>            </a:t>
-            </a:r>
-            <a:r>
-              <a:rPr lang="es-ES" b="1" dirty="0" smtClean="0">
-                <a:sym typeface="Wingdings" panose="05000000000000000000" pitchFamily="2" charset="2"/>
-              </a:rPr>
-              <a:t>  J</a:t>
+              <a:t>              J</a:t>
             </a:r>
             <a:r>
               <a:rPr lang="es-ES" b="1" dirty="0" smtClean="0"/>
@@ -13573,23 +13563,13 @@
             </a:pPr>
             <a:r>
               <a:rPr lang="es-ES" b="1" dirty="0" smtClean="0"/>
-              <a:t>				</a:t>
-            </a:r>
-            <a:r>
-              <a:rPr lang="es-ES" b="1" dirty="0" smtClean="0"/>
-              <a:t>Bootstrap </a:t>
+              <a:t>				Bootstrap </a:t>
             </a:r>
             <a:r>
               <a:rPr lang="es-ES" b="1" dirty="0" smtClean="0">
                 <a:sym typeface="Wingdings" panose="05000000000000000000" pitchFamily="2" charset="2"/>
               </a:rPr>
-              <a:t>   </a:t>
-            </a:r>
-            <a:r>
-              <a:rPr lang="es-ES" b="1" dirty="0" smtClean="0">
-                <a:sym typeface="Wingdings" panose="05000000000000000000" pitchFamily="2" charset="2"/>
-              </a:rPr>
-              <a:t>		</a:t>
+              <a:t>   		</a:t>
             </a:r>
             <a:r>
               <a:rPr lang="es-ES" b="1" dirty="0">
@@ -13601,19 +13581,7 @@
               <a:rPr lang="es-ES" b="1" dirty="0" smtClean="0">
                 <a:sym typeface="Wingdings" panose="05000000000000000000" pitchFamily="2" charset="2"/>
               </a:rPr>
-              <a:t>    </a:t>
-            </a:r>
-            <a:r>
-              <a:rPr lang="es-ES" b="1" dirty="0" smtClean="0">
-                <a:sym typeface="Wingdings" panose="05000000000000000000" pitchFamily="2" charset="2"/>
-              </a:rPr>
-              <a:t>   jQuery </a:t>
-            </a:r>
-            <a:r>
-              <a:rPr lang="es-ES" b="1" dirty="0" smtClean="0">
-                <a:sym typeface="Wingdings" panose="05000000000000000000" pitchFamily="2" charset="2"/>
-              </a:rPr>
-              <a:t> </a:t>
+              <a:t>       jQuery  </a:t>
             </a:r>
             <a:endParaRPr lang="es-ES" b="1" dirty="0"/>
           </a:p>
@@ -14695,6 +14663,36 @@
           </a:prstGeom>
         </p:spPr>
       </p:pic>
+      <p:pic>
+        <p:nvPicPr>
+          <p:cNvPr id="24" name="Imagen 23"/>
+          <p:cNvPicPr>
+            <a:picLocks noChangeAspect="1"/>
+          </p:cNvPicPr>
+          <p:nvPr/>
+        </p:nvPicPr>
+        <p:blipFill>
+          <a:blip r:embed="rId12">
+            <a:extLst>
+              <a:ext uri="{28A0092B-C50C-407E-A947-70E740481C1C}">
+                <a14:useLocalDpi xmlns:a14="http://schemas.microsoft.com/office/drawing/2010/main" val="0"/>
+              </a:ext>
+            </a:extLst>
+          </a:blip>
+          <a:stretch>
+            <a:fillRect/>
+          </a:stretch>
+        </p:blipFill>
+        <p:spPr>
+          <a:xfrm>
+            <a:off x="1514114" y="4827440"/>
+            <a:ext cx="372371" cy="372371"/>
+          </a:xfrm>
+          <a:prstGeom prst="rect">
+            <a:avLst/>
+          </a:prstGeom>
+        </p:spPr>
+      </p:pic>
     </p:spTree>
     <p:extLst>
       <p:ext uri="{BB962C8B-B14F-4D97-AF65-F5344CB8AC3E}">
@@ -15833,7 +15831,11 @@
             </a:pPr>
             <a:r>
               <a:rPr lang="es-ES" dirty="0" smtClean="0"/>
-              <a:t>Añadir más plantillas</a:t>
+              <a:t>Añadir más </a:t>
+            </a:r>
+            <a:r>
+              <a:rPr lang="es-ES" dirty="0" smtClean="0"/>
+              <a:t>plantillas y permitir configurarlas.</a:t>
             </a:r>
             <a:endParaRPr lang="es-ES" dirty="0"/>
           </a:p>
@@ -16325,7 +16327,7 @@
       </p:sp>
       <p:pic>
         <p:nvPicPr>
-          <p:cNvPr id="5" name="Imagen 4"/>
+          <p:cNvPr id="6" name="Imagen 5"/>
           <p:cNvPicPr>
             <a:picLocks noChangeAspect="1"/>
           </p:cNvPicPr>
@@ -16345,8 +16347,8 @@
         </p:blipFill>
         <p:spPr>
           <a:xfrm>
-            <a:off x="1790163" y="1929666"/>
-            <a:ext cx="9952482" cy="3852949"/>
+            <a:off x="1993022" y="2121366"/>
+            <a:ext cx="9691318" cy="3870958"/>
           </a:xfrm>
           <a:prstGeom prst="rect">
             <a:avLst/>
@@ -17431,22 +17433,13 @@
               <a:t>		</a:t>
             </a:r>
             <a:r>
-              <a:rPr lang="es-ES" b="1" dirty="0">
+              <a:rPr lang="es-ES" b="1" dirty="0" smtClean="0">
                 <a:ln w="0"/>
                 <a:solidFill>
                   <a:schemeClr val="tx1"/>
                 </a:solidFill>
               </a:rPr>
-              <a:t>Administrador</a:t>
-            </a:r>
-            <a:r>
-              <a:rPr lang="es-ES" dirty="0">
-                <a:ln w="0"/>
-                <a:solidFill>
-                  <a:schemeClr val="tx1"/>
-                </a:solidFill>
-              </a:rPr>
-              <a:t> </a:t>
+              <a:t>Empleado </a:t>
             </a:r>
             <a:r>
               <a:rPr lang="es-ES" dirty="0" smtClean="0">
@@ -17962,7 +17955,15 @@
             </a:r>
             <a:r>
               <a:rPr lang="es-ES" dirty="0"/>
-              <a:t>ya podrían ser visibles desde el Menú de Listar. </a:t>
+              <a:t>ya podrían ser visibles desde el </a:t>
+            </a:r>
+            <a:r>
+              <a:rPr lang="es-ES" i="1" dirty="0"/>
+              <a:t>Menú de Listar</a:t>
+            </a:r>
+            <a:r>
+              <a:rPr lang="es-ES" dirty="0"/>
+              <a:t>. </a:t>
             </a:r>
             <a:endParaRPr lang="es-ES" dirty="0" smtClean="0"/>
           </a:p>
@@ -19346,15 +19347,11 @@
             </a:r>
             <a:r>
               <a:rPr lang="es-ES" b="1" dirty="0"/>
-              <a:t>número de ventas</a:t>
-            </a:r>
-            <a:r>
-              <a:rPr lang="es-ES" dirty="0"/>
-              <a:t> por mes actual, mes anterior, semana actual y semana anterior, y </a:t>
+              <a:t>número de </a:t>
             </a:r>
             <a:r>
               <a:rPr lang="es-ES" b="1" dirty="0" smtClean="0"/>
-              <a:t>gráficos </a:t>
+              <a:t>ventas, gráficos </a:t>
             </a:r>
             <a:r>
               <a:rPr lang="es-ES" b="1" dirty="0"/>

--- a/Alumno/Defensa-Proyecto/Presentación.pptx
+++ b/Alumno/Defensa-Proyecto/Presentación.pptx
@@ -16,10 +16,10 @@
     <p:sldId id="258" r:id="rId4"/>
     <p:sldId id="259" r:id="rId5"/>
     <p:sldId id="260" r:id="rId6"/>
-    <p:sldId id="262" r:id="rId7"/>
-    <p:sldId id="263" r:id="rId8"/>
-    <p:sldId id="264" r:id="rId9"/>
-    <p:sldId id="265" r:id="rId10"/>
+    <p:sldId id="265" r:id="rId7"/>
+    <p:sldId id="262" r:id="rId8"/>
+    <p:sldId id="263" r:id="rId9"/>
+    <p:sldId id="264" r:id="rId10"/>
     <p:sldId id="266" r:id="rId11"/>
     <p:sldId id="273" r:id="rId12"/>
     <p:sldId id="274" r:id="rId13"/>
@@ -225,7 +225,7 @@
           <a:p>
             <a:fld id="{77BAFAC6-4FB1-42CD-A1A8-C43BBBFB141F}" type="datetimeFigureOut">
               <a:rPr lang="es-ES" smtClean="0"/>
-              <a:t>17/06/2016</a:t>
+              <a:t>19/06/2016</a:t>
             </a:fld>
             <a:endParaRPr lang="es-ES"/>
           </a:p>
@@ -395,7 +395,7 @@
           <a:p>
             <a:fld id="{1CEBE54B-BEC2-4481-AD1A-418116890CD3}" type="datetimeFigureOut">
               <a:rPr lang="es-ES" smtClean="0"/>
-              <a:t>17/06/2016</a:t>
+              <a:t>19/06/2016</a:t>
             </a:fld>
             <a:endParaRPr lang="es-ES"/>
           </a:p>
@@ -2366,7 +2366,7 @@
     </p:spTree>
     <p:extLst>
       <p:ext uri="{BB962C8B-B14F-4D97-AF65-F5344CB8AC3E}">
-        <p14:creationId xmlns:p14="http://schemas.microsoft.com/office/powerpoint/2010/main" val="3120329401"/>
+        <p14:creationId xmlns:p14="http://schemas.microsoft.com/office/powerpoint/2010/main" val="480149580"/>
       </p:ext>
     </p:extLst>
   </p:cSld>
@@ -2473,7 +2473,7 @@
     </p:spTree>
     <p:extLst>
       <p:ext uri="{BB962C8B-B14F-4D97-AF65-F5344CB8AC3E}">
-        <p14:creationId xmlns:p14="http://schemas.microsoft.com/office/powerpoint/2010/main" val="165030199"/>
+        <p14:creationId xmlns:p14="http://schemas.microsoft.com/office/powerpoint/2010/main" val="3120329401"/>
       </p:ext>
     </p:extLst>
   </p:cSld>
@@ -2580,7 +2580,7 @@
     </p:spTree>
     <p:extLst>
       <p:ext uri="{BB962C8B-B14F-4D97-AF65-F5344CB8AC3E}">
-        <p14:creationId xmlns:p14="http://schemas.microsoft.com/office/powerpoint/2010/main" val="1566744649"/>
+        <p14:creationId xmlns:p14="http://schemas.microsoft.com/office/powerpoint/2010/main" val="165030199"/>
       </p:ext>
     </p:extLst>
   </p:cSld>
@@ -2687,7 +2687,7 @@
     </p:spTree>
     <p:extLst>
       <p:ext uri="{BB962C8B-B14F-4D97-AF65-F5344CB8AC3E}">
-        <p14:creationId xmlns:p14="http://schemas.microsoft.com/office/powerpoint/2010/main" val="480149580"/>
+        <p14:creationId xmlns:p14="http://schemas.microsoft.com/office/powerpoint/2010/main" val="1566744649"/>
       </p:ext>
     </p:extLst>
   </p:cSld>
@@ -2993,7 +2993,7 @@
             <a:fld id="{B61BEF0D-F0BB-DE4B-95CE-6DB70DBA9567}" type="datetimeFigureOut">
               <a:rPr lang="en-US" smtClean="0"/>
               <a:pPr/>
-              <a:t>6/17/2016</a:t>
+              <a:t>6/19/2016</a:t>
             </a:fld>
             <a:endParaRPr lang="en-US"/>
           </a:p>
@@ -3333,7 +3333,7 @@
             <a:fld id="{B61BEF0D-F0BB-DE4B-95CE-6DB70DBA9567}" type="datetimeFigureOut">
               <a:rPr lang="en-US" smtClean="0"/>
               <a:pPr/>
-              <a:t>6/17/2016</a:t>
+              <a:t>6/19/2016</a:t>
             </a:fld>
             <a:endParaRPr lang="en-US"/>
           </a:p>
@@ -3736,7 +3736,7 @@
             <a:fld id="{B61BEF0D-F0BB-DE4B-95CE-6DB70DBA9567}" type="datetimeFigureOut">
               <a:rPr lang="en-US" smtClean="0"/>
               <a:pPr/>
-              <a:t>6/17/2016</a:t>
+              <a:t>6/19/2016</a:t>
             </a:fld>
             <a:endParaRPr lang="en-US"/>
           </a:p>
@@ -4074,7 +4074,7 @@
             <a:fld id="{B61BEF0D-F0BB-DE4B-95CE-6DB70DBA9567}" type="datetimeFigureOut">
               <a:rPr lang="en-US" smtClean="0"/>
               <a:pPr/>
-              <a:t>6/17/2016</a:t>
+              <a:t>6/19/2016</a:t>
             </a:fld>
             <a:endParaRPr lang="en-US"/>
           </a:p>
@@ -4396,7 +4396,7 @@
             <a:fld id="{B61BEF0D-F0BB-DE4B-95CE-6DB70DBA9567}" type="datetimeFigureOut">
               <a:rPr lang="en-US" smtClean="0"/>
               <a:pPr/>
-              <a:t>6/17/2016</a:t>
+              <a:t>6/19/2016</a:t>
             </a:fld>
             <a:endParaRPr lang="en-US"/>
           </a:p>
@@ -4794,7 +4794,7 @@
             <a:fld id="{B61BEF0D-F0BB-DE4B-95CE-6DB70DBA9567}" type="datetimeFigureOut">
               <a:rPr lang="en-US" smtClean="0"/>
               <a:pPr/>
-              <a:t>6/17/2016</a:t>
+              <a:t>6/19/2016</a:t>
             </a:fld>
             <a:endParaRPr lang="en-US"/>
           </a:p>
@@ -5053,7 +5053,7 @@
             <a:fld id="{B61BEF0D-F0BB-DE4B-95CE-6DB70DBA9567}" type="datetimeFigureOut">
               <a:rPr lang="en-US" smtClean="0"/>
               <a:pPr/>
-              <a:t>6/17/2016</a:t>
+              <a:t>6/19/2016</a:t>
             </a:fld>
             <a:endParaRPr lang="en-US"/>
           </a:p>
@@ -5317,7 +5317,7 @@
             <a:fld id="{B61BEF0D-F0BB-DE4B-95CE-6DB70DBA9567}" type="datetimeFigureOut">
               <a:rPr lang="en-US" smtClean="0"/>
               <a:pPr/>
-              <a:t>6/17/2016</a:t>
+              <a:t>6/19/2016</a:t>
             </a:fld>
             <a:endParaRPr lang="en-US"/>
           </a:p>
@@ -5581,7 +5581,7 @@
             <a:fld id="{B61BEF0D-F0BB-DE4B-95CE-6DB70DBA9567}" type="datetimeFigureOut">
               <a:rPr lang="en-US" smtClean="0"/>
               <a:pPr/>
-              <a:t>6/17/2016</a:t>
+              <a:t>6/19/2016</a:t>
             </a:fld>
             <a:endParaRPr lang="en-US"/>
           </a:p>
@@ -5912,7 +5912,7 @@
             <a:fld id="{B61BEF0D-F0BB-DE4B-95CE-6DB70DBA9567}" type="datetimeFigureOut">
               <a:rPr lang="en-US" smtClean="0"/>
               <a:pPr/>
-              <a:t>6/17/2016</a:t>
+              <a:t>6/19/2016</a:t>
             </a:fld>
             <a:endParaRPr lang="en-US"/>
           </a:p>
@@ -6237,7 +6237,7 @@
             <a:fld id="{B61BEF0D-F0BB-DE4B-95CE-6DB70DBA9567}" type="datetimeFigureOut">
               <a:rPr lang="en-US" smtClean="0"/>
               <a:pPr/>
-              <a:t>6/17/2016</a:t>
+              <a:t>6/19/2016</a:t>
             </a:fld>
             <a:endParaRPr lang="en-US"/>
           </a:p>
@@ -6696,7 +6696,7 @@
             <a:fld id="{B61BEF0D-F0BB-DE4B-95CE-6DB70DBA9567}" type="datetimeFigureOut">
               <a:rPr lang="en-US" smtClean="0"/>
               <a:pPr/>
-              <a:t>6/17/2016</a:t>
+              <a:t>6/19/2016</a:t>
             </a:fld>
             <a:endParaRPr lang="en-US"/>
           </a:p>
@@ -6903,7 +6903,7 @@
             <a:fld id="{B61BEF0D-F0BB-DE4B-95CE-6DB70DBA9567}" type="datetimeFigureOut">
               <a:rPr lang="en-US" smtClean="0"/>
               <a:pPr/>
-              <a:t>6/17/2016</a:t>
+              <a:t>6/19/2016</a:t>
             </a:fld>
             <a:endParaRPr lang="en-US"/>
           </a:p>
@@ -7082,7 +7082,7 @@
             <a:fld id="{B61BEF0D-F0BB-DE4B-95CE-6DB70DBA9567}" type="datetimeFigureOut">
               <a:rPr lang="en-US" smtClean="0"/>
               <a:pPr/>
-              <a:t>6/17/2016</a:t>
+              <a:t>6/19/2016</a:t>
             </a:fld>
             <a:endParaRPr lang="en-US"/>
           </a:p>
@@ -7417,7 +7417,7 @@
             <a:fld id="{B61BEF0D-F0BB-DE4B-95CE-6DB70DBA9567}" type="datetimeFigureOut">
               <a:rPr lang="en-US" smtClean="0"/>
               <a:pPr/>
-              <a:t>6/17/2016</a:t>
+              <a:t>6/19/2016</a:t>
             </a:fld>
             <a:endParaRPr lang="en-US"/>
           </a:p>
@@ -7764,7 +7764,7 @@
             <a:fld id="{B61BEF0D-F0BB-DE4B-95CE-6DB70DBA9567}" type="datetimeFigureOut">
               <a:rPr lang="en-US" smtClean="0"/>
               <a:pPr/>
-              <a:t>6/17/2016</a:t>
+              <a:t>6/19/2016</a:t>
             </a:fld>
             <a:endParaRPr lang="en-US"/>
           </a:p>
@@ -9883,7 +9883,7 @@
             <a:fld id="{B61BEF0D-F0BB-DE4B-95CE-6DB70DBA9567}" type="datetimeFigureOut">
               <a:rPr lang="en-US" smtClean="0"/>
               <a:pPr/>
-              <a:t>6/17/2016</a:t>
+              <a:t>6/19/2016</a:t>
             </a:fld>
             <a:endParaRPr lang="en-US"/>
           </a:p>
@@ -10696,7 +10696,7 @@
             </a:r>
             <a:r>
               <a:rPr lang="es-ES" dirty="0" smtClean="0"/>
-              <a:t>validando la cantidad, </a:t>
+              <a:t>validándola, </a:t>
             </a:r>
             <a:r>
               <a:rPr lang="es-ES" dirty="0"/>
@@ -10764,11 +10764,7 @@
             </a:r>
             <a:r>
               <a:rPr lang="es-ES" dirty="0" smtClean="0"/>
-              <a:t>pudiendo </a:t>
-            </a:r>
-            <a:r>
-              <a:rPr lang="es-ES" dirty="0" smtClean="0"/>
-              <a:t>verlas en </a:t>
+              <a:t>pudiendo verlas en </a:t>
             </a:r>
             <a:r>
               <a:rPr lang="es-ES" dirty="0"/>
@@ -10794,11 +10790,11 @@
             </a:r>
             <a:r>
               <a:rPr lang="es-ES" dirty="0"/>
-              <a:t>Si no se elige pagar en el acto, se guardaría el albarán en la última factura </a:t>
+              <a:t>Si no se elige pagar en el acto, se guardaría el albarán en la </a:t>
             </a:r>
             <a:r>
               <a:rPr lang="es-ES" i="1" dirty="0"/>
-              <a:t>no pagada</a:t>
+              <a:t>última factura no pagada</a:t>
             </a:r>
             <a:r>
               <a:rPr lang="es-ES" dirty="0"/>
@@ -13791,7 +13787,7 @@
       </p:pic>
       <p:pic>
         <p:nvPicPr>
-          <p:cNvPr id="11" name="Imagen 10"/>
+          <p:cNvPr id="15" name="Imagen 14"/>
           <p:cNvPicPr>
             <a:picLocks noChangeAspect="1"/>
           </p:cNvPicPr>
@@ -13811,8 +13807,8 @@
         </p:blipFill>
         <p:spPr>
           <a:xfrm>
-            <a:off x="4148679" y="1959052"/>
-            <a:ext cx="797887" cy="797887"/>
+            <a:off x="5140050" y="3167877"/>
+            <a:ext cx="999000" cy="799200"/>
           </a:xfrm>
           <a:prstGeom prst="rect">
             <a:avLst/>
@@ -13821,7 +13817,7 @@
       </p:pic>
       <p:pic>
         <p:nvPicPr>
-          <p:cNvPr id="13" name="Imagen 12"/>
+          <p:cNvPr id="17" name="Imagen 16"/>
           <p:cNvPicPr>
             <a:picLocks noChangeAspect="1"/>
           </p:cNvPicPr>
@@ -13841,8 +13837,8 @@
         </p:blipFill>
         <p:spPr>
           <a:xfrm>
-            <a:off x="5933232" y="1957739"/>
-            <a:ext cx="799200" cy="799200"/>
+            <a:off x="4049514" y="4720627"/>
+            <a:ext cx="1286629" cy="1051961"/>
           </a:xfrm>
           <a:prstGeom prst="rect">
             <a:avLst/>
@@ -13851,7 +13847,7 @@
       </p:pic>
       <p:pic>
         <p:nvPicPr>
-          <p:cNvPr id="14" name="Imagen 13"/>
+          <p:cNvPr id="18" name="Imagen 17"/>
           <p:cNvPicPr>
             <a:picLocks noChangeAspect="1"/>
           </p:cNvPicPr>
@@ -13871,8 +13867,8 @@
         </p:blipFill>
         <p:spPr>
           <a:xfrm>
-            <a:off x="8451652" y="1957739"/>
-            <a:ext cx="799200" cy="799200"/>
+            <a:off x="6544127" y="4847007"/>
+            <a:ext cx="1507925" cy="799200"/>
           </a:xfrm>
           <a:prstGeom prst="rect">
             <a:avLst/>
@@ -13881,7 +13877,7 @@
       </p:pic>
       <p:pic>
         <p:nvPicPr>
-          <p:cNvPr id="15" name="Imagen 14"/>
+          <p:cNvPr id="19" name="Imagen 18"/>
           <p:cNvPicPr>
             <a:picLocks noChangeAspect="1"/>
           </p:cNvPicPr>
@@ -13901,8 +13897,8 @@
         </p:blipFill>
         <p:spPr>
           <a:xfrm>
-            <a:off x="5062777" y="3168038"/>
-            <a:ext cx="999000" cy="799200"/>
+            <a:off x="9380537" y="4720627"/>
+            <a:ext cx="1545281" cy="799200"/>
           </a:xfrm>
           <a:prstGeom prst="rect">
             <a:avLst/>
@@ -13911,7 +13907,7 @@
       </p:pic>
       <p:pic>
         <p:nvPicPr>
-          <p:cNvPr id="16" name="Imagen 15"/>
+          <p:cNvPr id="5" name="Imagen 4"/>
           <p:cNvPicPr>
             <a:picLocks noChangeAspect="1"/>
           </p:cNvPicPr>
@@ -13931,8 +13927,8 @@
         </p:blipFill>
         <p:spPr>
           <a:xfrm>
-            <a:off x="7652452" y="3168038"/>
-            <a:ext cx="799200" cy="799200"/>
+            <a:off x="4113728" y="1941932"/>
+            <a:ext cx="936000" cy="936000"/>
           </a:xfrm>
           <a:prstGeom prst="rect">
             <a:avLst/>
@@ -13941,7 +13937,7 @@
       </p:pic>
       <p:pic>
         <p:nvPicPr>
-          <p:cNvPr id="17" name="Imagen 16"/>
+          <p:cNvPr id="6" name="Imagen 5"/>
           <p:cNvPicPr>
             <a:picLocks noChangeAspect="1"/>
           </p:cNvPicPr>
@@ -13961,8 +13957,8 @@
         </p:blipFill>
         <p:spPr>
           <a:xfrm>
-            <a:off x="4049514" y="4720627"/>
-            <a:ext cx="1286629" cy="1051961"/>
+            <a:off x="5903799" y="1941932"/>
+            <a:ext cx="934882" cy="934882"/>
           </a:xfrm>
           <a:prstGeom prst="rect">
             <a:avLst/>
@@ -13971,7 +13967,7 @@
       </p:pic>
       <p:pic>
         <p:nvPicPr>
-          <p:cNvPr id="18" name="Imagen 17"/>
+          <p:cNvPr id="9" name="Imagen 8"/>
           <p:cNvPicPr>
             <a:picLocks noChangeAspect="1"/>
           </p:cNvPicPr>
@@ -13991,8 +13987,8 @@
         </p:blipFill>
         <p:spPr>
           <a:xfrm>
-            <a:off x="6544127" y="4847007"/>
-            <a:ext cx="1507925" cy="799200"/>
+            <a:off x="8334799" y="1941932"/>
+            <a:ext cx="936000" cy="936000"/>
           </a:xfrm>
           <a:prstGeom prst="rect">
             <a:avLst/>
@@ -14001,7 +13997,7 @@
       </p:pic>
       <p:pic>
         <p:nvPicPr>
-          <p:cNvPr id="19" name="Imagen 18"/>
+          <p:cNvPr id="12" name="Imagen 11"/>
           <p:cNvPicPr>
             <a:picLocks noChangeAspect="1"/>
           </p:cNvPicPr>
@@ -14021,8 +14017,8 @@
         </p:blipFill>
         <p:spPr>
           <a:xfrm>
-            <a:off x="9380537" y="4720627"/>
-            <a:ext cx="1545281" cy="799200"/>
+            <a:off x="7786488" y="3167877"/>
+            <a:ext cx="792000" cy="792000"/>
           </a:xfrm>
           <a:prstGeom prst="rect">
             <a:avLst/>
@@ -14305,7 +14301,7 @@
       </p:pic>
       <p:pic>
         <p:nvPicPr>
-          <p:cNvPr id="9" name="Imagen 8"/>
+          <p:cNvPr id="20" name="Imagen 19"/>
           <p:cNvPicPr>
             <a:picLocks noChangeAspect="1"/>
           </p:cNvPicPr>
@@ -14325,8 +14321,8 @@
         </p:blipFill>
         <p:spPr>
           <a:xfrm>
-            <a:off x="1728974" y="2820659"/>
-            <a:ext cx="2727551" cy="1188000"/>
+            <a:off x="7021855" y="2820659"/>
+            <a:ext cx="1188000" cy="1188000"/>
           </a:xfrm>
           <a:prstGeom prst="rect">
             <a:avLst/>
@@ -14335,7 +14331,7 @@
       </p:pic>
       <p:pic>
         <p:nvPicPr>
-          <p:cNvPr id="12" name="Imagen 11"/>
+          <p:cNvPr id="22" name="Imagen 21"/>
           <p:cNvPicPr>
             <a:picLocks noChangeAspect="1"/>
           </p:cNvPicPr>
@@ -14355,8 +14351,8 @@
         </p:blipFill>
         <p:spPr>
           <a:xfrm>
-            <a:off x="5139906" y="2796611"/>
-            <a:ext cx="1188000" cy="1188000"/>
+            <a:off x="2238543" y="4446337"/>
+            <a:ext cx="1182720" cy="1188000"/>
           </a:xfrm>
           <a:prstGeom prst="rect">
             <a:avLst/>
@@ -14365,7 +14361,7 @@
       </p:pic>
       <p:pic>
         <p:nvPicPr>
-          <p:cNvPr id="20" name="Imagen 19"/>
+          <p:cNvPr id="26" name="Imagen 25"/>
           <p:cNvPicPr>
             <a:picLocks noChangeAspect="1"/>
           </p:cNvPicPr>
@@ -14385,8 +14381,8 @@
         </p:blipFill>
         <p:spPr>
           <a:xfrm>
-            <a:off x="7021855" y="2820659"/>
-            <a:ext cx="1188000" cy="1188000"/>
+            <a:off x="4639529" y="3204425"/>
+            <a:ext cx="372371" cy="372371"/>
           </a:xfrm>
           <a:prstGeom prst="rect">
             <a:avLst/>
@@ -14395,7 +14391,157 @@
       </p:pic>
       <p:pic>
         <p:nvPicPr>
-          <p:cNvPr id="21" name="Imagen 20"/>
+          <p:cNvPr id="27" name="Imagen 26"/>
+          <p:cNvPicPr>
+            <a:picLocks noChangeAspect="1"/>
+          </p:cNvPicPr>
+          <p:nvPr/>
+        </p:nvPicPr>
+        <p:blipFill>
+          <a:blip r:embed="rId7">
+            <a:extLst>
+              <a:ext uri="{28A0092B-C50C-407E-A947-70E740481C1C}">
+                <a14:useLocalDpi xmlns:a14="http://schemas.microsoft.com/office/drawing/2010/main" val="0"/>
+              </a:ext>
+            </a:extLst>
+          </a:blip>
+          <a:stretch>
+            <a:fillRect/>
+          </a:stretch>
+        </p:blipFill>
+        <p:spPr>
+          <a:xfrm>
+            <a:off x="6466310" y="3200611"/>
+            <a:ext cx="372371" cy="372371"/>
+          </a:xfrm>
+          <a:prstGeom prst="rect">
+            <a:avLst/>
+          </a:prstGeom>
+        </p:spPr>
+      </p:pic>
+      <p:pic>
+        <p:nvPicPr>
+          <p:cNvPr id="28" name="Imagen 27"/>
+          <p:cNvPicPr>
+            <a:picLocks noChangeAspect="1"/>
+          </p:cNvPicPr>
+          <p:nvPr/>
+        </p:nvPicPr>
+        <p:blipFill>
+          <a:blip r:embed="rId7">
+            <a:extLst>
+              <a:ext uri="{28A0092B-C50C-407E-A947-70E740481C1C}">
+                <a14:useLocalDpi xmlns:a14="http://schemas.microsoft.com/office/drawing/2010/main" val="0"/>
+              </a:ext>
+            </a:extLst>
+          </a:blip>
+          <a:stretch>
+            <a:fillRect/>
+          </a:stretch>
+        </p:blipFill>
+        <p:spPr>
+          <a:xfrm>
+            <a:off x="8346197" y="3200610"/>
+            <a:ext cx="372371" cy="372371"/>
+          </a:xfrm>
+          <a:prstGeom prst="rect">
+            <a:avLst/>
+          </a:prstGeom>
+        </p:spPr>
+      </p:pic>
+      <p:pic>
+        <p:nvPicPr>
+          <p:cNvPr id="29" name="Imagen 28"/>
+          <p:cNvPicPr>
+            <a:picLocks noChangeAspect="1"/>
+          </p:cNvPicPr>
+          <p:nvPr/>
+        </p:nvPicPr>
+        <p:blipFill>
+          <a:blip r:embed="rId7">
+            <a:extLst>
+              <a:ext uri="{28A0092B-C50C-407E-A947-70E740481C1C}">
+                <a14:useLocalDpi xmlns:a14="http://schemas.microsoft.com/office/drawing/2010/main" val="0"/>
+              </a:ext>
+            </a:extLst>
+          </a:blip>
+          <a:stretch>
+            <a:fillRect/>
+          </a:stretch>
+        </p:blipFill>
+        <p:spPr>
+          <a:xfrm>
+            <a:off x="3973567" y="4827442"/>
+            <a:ext cx="372371" cy="372371"/>
+          </a:xfrm>
+          <a:prstGeom prst="rect">
+            <a:avLst/>
+          </a:prstGeom>
+        </p:spPr>
+      </p:pic>
+      <p:pic>
+        <p:nvPicPr>
+          <p:cNvPr id="30" name="Imagen 29"/>
+          <p:cNvPicPr>
+            <a:picLocks noChangeAspect="1"/>
+          </p:cNvPicPr>
+          <p:nvPr/>
+        </p:nvPicPr>
+        <p:blipFill>
+          <a:blip r:embed="rId7">
+            <a:extLst>
+              <a:ext uri="{28A0092B-C50C-407E-A947-70E740481C1C}">
+                <a14:useLocalDpi xmlns:a14="http://schemas.microsoft.com/office/drawing/2010/main" val="0"/>
+              </a:ext>
+            </a:extLst>
+          </a:blip>
+          <a:stretch>
+            <a:fillRect/>
+          </a:stretch>
+        </p:blipFill>
+        <p:spPr>
+          <a:xfrm>
+            <a:off x="8255060" y="4827441"/>
+            <a:ext cx="372371" cy="372371"/>
+          </a:xfrm>
+          <a:prstGeom prst="rect">
+            <a:avLst/>
+          </a:prstGeom>
+        </p:spPr>
+      </p:pic>
+      <p:pic>
+        <p:nvPicPr>
+          <p:cNvPr id="24" name="Imagen 23"/>
+          <p:cNvPicPr>
+            <a:picLocks noChangeAspect="1"/>
+          </p:cNvPicPr>
+          <p:nvPr/>
+        </p:nvPicPr>
+        <p:blipFill>
+          <a:blip r:embed="rId7">
+            <a:extLst>
+              <a:ext uri="{28A0092B-C50C-407E-A947-70E740481C1C}">
+                <a14:useLocalDpi xmlns:a14="http://schemas.microsoft.com/office/drawing/2010/main" val="0"/>
+              </a:ext>
+            </a:extLst>
+          </a:blip>
+          <a:stretch>
+            <a:fillRect/>
+          </a:stretch>
+        </p:blipFill>
+        <p:spPr>
+          <a:xfrm>
+            <a:off x="1514114" y="4827440"/>
+            <a:ext cx="372371" cy="372371"/>
+          </a:xfrm>
+          <a:prstGeom prst="rect">
+            <a:avLst/>
+          </a:prstGeom>
+        </p:spPr>
+      </p:pic>
+      <p:pic>
+        <p:nvPicPr>
+          <p:cNvPr id="6" name="Imagen 5"/>
           <p:cNvPicPr>
             <a:picLocks noChangeAspect="1"/>
           </p:cNvPicPr>
@@ -14415,8 +14561,8 @@
         </p:blipFill>
         <p:spPr>
           <a:xfrm>
-            <a:off x="8838238" y="2943443"/>
-            <a:ext cx="2031534" cy="778180"/>
+            <a:off x="1998276" y="2814430"/>
+            <a:ext cx="2384947" cy="1038778"/>
           </a:xfrm>
           <a:prstGeom prst="rect">
             <a:avLst/>
@@ -14425,7 +14571,7 @@
       </p:pic>
       <p:pic>
         <p:nvPicPr>
-          <p:cNvPr id="22" name="Imagen 21"/>
+          <p:cNvPr id="10" name="Imagen 9"/>
           <p:cNvPicPr>
             <a:picLocks noChangeAspect="1"/>
           </p:cNvPicPr>
@@ -14445,8 +14591,8 @@
         </p:blipFill>
         <p:spPr>
           <a:xfrm>
-            <a:off x="2238543" y="4446337"/>
-            <a:ext cx="1182720" cy="1188000"/>
+            <a:off x="5020437" y="2711757"/>
+            <a:ext cx="1405804" cy="1405804"/>
           </a:xfrm>
           <a:prstGeom prst="rect">
             <a:avLst/>
@@ -14455,7 +14601,7 @@
       </p:pic>
       <p:pic>
         <p:nvPicPr>
-          <p:cNvPr id="23" name="Imagen 22"/>
+          <p:cNvPr id="11" name="Imagen 10"/>
           <p:cNvPicPr>
             <a:picLocks noChangeAspect="1"/>
           </p:cNvPicPr>
@@ -14475,8 +14621,8 @@
         </p:blipFill>
         <p:spPr>
           <a:xfrm>
-            <a:off x="4834515" y="4419627"/>
-            <a:ext cx="3088800" cy="1188000"/>
+            <a:off x="8854910" y="2848700"/>
+            <a:ext cx="2736076" cy="1048056"/>
           </a:xfrm>
           <a:prstGeom prst="rect">
             <a:avLst/>
@@ -14485,7 +14631,7 @@
       </p:pic>
       <p:pic>
         <p:nvPicPr>
-          <p:cNvPr id="25" name="Imagen 24"/>
+          <p:cNvPr id="9" name="Imagen 8"/>
           <p:cNvPicPr>
             <a:picLocks noChangeAspect="1"/>
           </p:cNvPicPr>
@@ -14505,8 +14651,8 @@
         </p:blipFill>
         <p:spPr>
           <a:xfrm>
-            <a:off x="9004000" y="4562384"/>
-            <a:ext cx="2037585" cy="955905"/>
+            <a:off x="4696194" y="4440215"/>
+            <a:ext cx="3301587" cy="1269841"/>
           </a:xfrm>
           <a:prstGeom prst="rect">
             <a:avLst/>
@@ -14515,7 +14661,7 @@
       </p:pic>
       <p:pic>
         <p:nvPicPr>
-          <p:cNvPr id="26" name="Imagen 25"/>
+          <p:cNvPr id="12" name="Imagen 11"/>
           <p:cNvPicPr>
             <a:picLocks noChangeAspect="1"/>
           </p:cNvPicPr>
@@ -14535,158 +14681,8 @@
         </p:blipFill>
         <p:spPr>
           <a:xfrm>
-            <a:off x="4639529" y="3204425"/>
-            <a:ext cx="372371" cy="372371"/>
-          </a:xfrm>
-          <a:prstGeom prst="rect">
-            <a:avLst/>
-          </a:prstGeom>
-        </p:spPr>
-      </p:pic>
-      <p:pic>
-        <p:nvPicPr>
-          <p:cNvPr id="27" name="Imagen 26"/>
-          <p:cNvPicPr>
-            <a:picLocks noChangeAspect="1"/>
-          </p:cNvPicPr>
-          <p:nvPr/>
-        </p:nvPicPr>
-        <p:blipFill>
-          <a:blip r:embed="rId12">
-            <a:extLst>
-              <a:ext uri="{28A0092B-C50C-407E-A947-70E740481C1C}">
-                <a14:useLocalDpi xmlns:a14="http://schemas.microsoft.com/office/drawing/2010/main" val="0"/>
-              </a:ext>
-            </a:extLst>
-          </a:blip>
-          <a:stretch>
-            <a:fillRect/>
-          </a:stretch>
-        </p:blipFill>
-        <p:spPr>
-          <a:xfrm>
-            <a:off x="6466310" y="3200611"/>
-            <a:ext cx="372371" cy="372371"/>
-          </a:xfrm>
-          <a:prstGeom prst="rect">
-            <a:avLst/>
-          </a:prstGeom>
-        </p:spPr>
-      </p:pic>
-      <p:pic>
-        <p:nvPicPr>
-          <p:cNvPr id="28" name="Imagen 27"/>
-          <p:cNvPicPr>
-            <a:picLocks noChangeAspect="1"/>
-          </p:cNvPicPr>
-          <p:nvPr/>
-        </p:nvPicPr>
-        <p:blipFill>
-          <a:blip r:embed="rId12">
-            <a:extLst>
-              <a:ext uri="{28A0092B-C50C-407E-A947-70E740481C1C}">
-                <a14:useLocalDpi xmlns:a14="http://schemas.microsoft.com/office/drawing/2010/main" val="0"/>
-              </a:ext>
-            </a:extLst>
-          </a:blip>
-          <a:stretch>
-            <a:fillRect/>
-          </a:stretch>
-        </p:blipFill>
-        <p:spPr>
-          <a:xfrm>
-            <a:off x="8346197" y="3200610"/>
-            <a:ext cx="372371" cy="372371"/>
-          </a:xfrm>
-          <a:prstGeom prst="rect">
-            <a:avLst/>
-          </a:prstGeom>
-        </p:spPr>
-      </p:pic>
-      <p:pic>
-        <p:nvPicPr>
-          <p:cNvPr id="29" name="Imagen 28"/>
-          <p:cNvPicPr>
-            <a:picLocks noChangeAspect="1"/>
-          </p:cNvPicPr>
-          <p:nvPr/>
-        </p:nvPicPr>
-        <p:blipFill>
-          <a:blip r:embed="rId12">
-            <a:extLst>
-              <a:ext uri="{28A0092B-C50C-407E-A947-70E740481C1C}">
-                <a14:useLocalDpi xmlns:a14="http://schemas.microsoft.com/office/drawing/2010/main" val="0"/>
-              </a:ext>
-            </a:extLst>
-          </a:blip>
-          <a:stretch>
-            <a:fillRect/>
-          </a:stretch>
-        </p:blipFill>
-        <p:spPr>
-          <a:xfrm>
-            <a:off x="3973567" y="4827442"/>
-            <a:ext cx="372371" cy="372371"/>
-          </a:xfrm>
-          <a:prstGeom prst="rect">
-            <a:avLst/>
-          </a:prstGeom>
-        </p:spPr>
-      </p:pic>
-      <p:pic>
-        <p:nvPicPr>
-          <p:cNvPr id="30" name="Imagen 29"/>
-          <p:cNvPicPr>
-            <a:picLocks noChangeAspect="1"/>
-          </p:cNvPicPr>
-          <p:nvPr/>
-        </p:nvPicPr>
-        <p:blipFill>
-          <a:blip r:embed="rId12">
-            <a:extLst>
-              <a:ext uri="{28A0092B-C50C-407E-A947-70E740481C1C}">
-                <a14:useLocalDpi xmlns:a14="http://schemas.microsoft.com/office/drawing/2010/main" val="0"/>
-              </a:ext>
-            </a:extLst>
-          </a:blip>
-          <a:stretch>
-            <a:fillRect/>
-          </a:stretch>
-        </p:blipFill>
-        <p:spPr>
-          <a:xfrm>
-            <a:off x="8255060" y="4827441"/>
-            <a:ext cx="372371" cy="372371"/>
-          </a:xfrm>
-          <a:prstGeom prst="rect">
-            <a:avLst/>
-          </a:prstGeom>
-        </p:spPr>
-      </p:pic>
-      <p:pic>
-        <p:nvPicPr>
-          <p:cNvPr id="24" name="Imagen 23"/>
-          <p:cNvPicPr>
-            <a:picLocks noChangeAspect="1"/>
-          </p:cNvPicPr>
-          <p:nvPr/>
-        </p:nvPicPr>
-        <p:blipFill>
-          <a:blip r:embed="rId12">
-            <a:extLst>
-              <a:ext uri="{28A0092B-C50C-407E-A947-70E740481C1C}">
-                <a14:useLocalDpi xmlns:a14="http://schemas.microsoft.com/office/drawing/2010/main" val="0"/>
-              </a:ext>
-            </a:extLst>
-          </a:blip>
-          <a:stretch>
-            <a:fillRect/>
-          </a:stretch>
-        </p:blipFill>
-        <p:spPr>
-          <a:xfrm>
-            <a:off x="1514114" y="4827440"/>
-            <a:ext cx="372371" cy="372371"/>
+            <a:off x="9092557" y="4440215"/>
+            <a:ext cx="1941441" cy="910800"/>
           </a:xfrm>
           <a:prstGeom prst="rect">
             <a:avLst/>
@@ -15308,8 +15304,13 @@
             </a:r>
             <a:r>
               <a:rPr lang="es-ES" dirty="0" smtClean="0"/>
-              <a:t>código y de componentes</a:t>
-            </a:r>
+              <a:t>código y de </a:t>
+            </a:r>
+            <a:r>
+              <a:rPr lang="es-ES" dirty="0" smtClean="0"/>
+              <a:t>componentes.</a:t>
+            </a:r>
+            <a:endParaRPr lang="es-ES" dirty="0" smtClean="0"/>
           </a:p>
           <a:p>
             <a:pPr lvl="1">
@@ -15370,12 +15371,13 @@
             </a:pPr>
             <a:r>
               <a:rPr lang="es-ES" dirty="0"/>
-              <a:t>Tener que ceñirse a una estructura </a:t>
+              <a:t>Tener que ceñirse a una </a:t>
             </a:r>
             <a:r>
               <a:rPr lang="es-ES" dirty="0" smtClean="0"/>
-              <a:t>.</a:t>
-            </a:r>
+              <a:t>estructura.</a:t>
+            </a:r>
+            <a:endParaRPr lang="es-ES" dirty="0" smtClean="0"/>
           </a:p>
           <a:p>
             <a:pPr lvl="1">
@@ -15722,7 +15724,19 @@
             </a:r>
             <a:r>
               <a:rPr lang="es-ES" dirty="0" smtClean="0"/>
-              <a:t>las URL de CodeIgniter.</a:t>
+              <a:t>las </a:t>
+            </a:r>
+            <a:r>
+              <a:rPr lang="es-ES" dirty="0" err="1" smtClean="0"/>
+              <a:t>URLs</a:t>
+            </a:r>
+            <a:r>
+              <a:rPr lang="es-ES" dirty="0" smtClean="0"/>
+              <a:t> </a:t>
+            </a:r>
+            <a:r>
+              <a:rPr lang="es-ES" dirty="0" smtClean="0"/>
+              <a:t>de CodeIgniter.</a:t>
             </a:r>
           </a:p>
           <a:p>
@@ -15736,8 +15750,13 @@
             </a:r>
             <a:r>
               <a:rPr lang="es-ES" dirty="0"/>
-              <a:t>de búsqueda para los distintos elementos, pudiendo elegir el campo por el que buscar.</a:t>
-            </a:r>
+              <a:t>de búsqueda para los distintos </a:t>
+            </a:r>
+            <a:r>
+              <a:rPr lang="es-ES" dirty="0" smtClean="0"/>
+              <a:t>elementos.</a:t>
+            </a:r>
+            <a:endParaRPr lang="es-ES" dirty="0"/>
           </a:p>
           <a:p>
             <a:pPr lvl="0">
@@ -15761,7 +15780,15 @@
             </a:pPr>
             <a:r>
               <a:rPr lang="es-ES" dirty="0"/>
-              <a:t>Implementar el plugin de jQuery DataTables en todas las listas.</a:t>
+              <a:t>Implementar el plugin de jQuery </a:t>
+            </a:r>
+            <a:r>
+              <a:rPr lang="es-ES" i="1" dirty="0"/>
+              <a:t>DataTables</a:t>
+            </a:r>
+            <a:r>
+              <a:rPr lang="es-ES" dirty="0"/>
+              <a:t> en todas las listas.</a:t>
             </a:r>
           </a:p>
           <a:p>
@@ -15831,13 +15858,18 @@
             </a:pPr>
             <a:r>
               <a:rPr lang="es-ES" dirty="0" smtClean="0"/>
-              <a:t>Añadir más </a:t>
-            </a:r>
+              <a:t>Añadir más plantillas y permitir configurarlas.</a:t>
+            </a:r>
+          </a:p>
+          <a:p>
+            <a:pPr lvl="0">
+              <a:buFont typeface="+mj-lt"/>
+              <a:buAutoNum type="arabicPeriod"/>
+            </a:pPr>
             <a:r>
               <a:rPr lang="es-ES" dirty="0" smtClean="0"/>
-              <a:t>plantillas y permitir configurarlas.</a:t>
-            </a:r>
-            <a:endParaRPr lang="es-ES" dirty="0"/>
+              <a:t>Permitir configurar diferentes parámetros.</a:t>
+            </a:r>
           </a:p>
           <a:p>
             <a:pPr marL="0" indent="0">
@@ -16327,7 +16359,7 @@
       </p:sp>
       <p:pic>
         <p:nvPicPr>
-          <p:cNvPr id="6" name="Imagen 5"/>
+          <p:cNvPr id="5" name="Imagen 4"/>
           <p:cNvPicPr>
             <a:picLocks noChangeAspect="1"/>
           </p:cNvPicPr>
@@ -16347,8 +16379,8 @@
         </p:blipFill>
         <p:spPr>
           <a:xfrm>
-            <a:off x="1993022" y="2121366"/>
-            <a:ext cx="9691318" cy="3870958"/>
+            <a:off x="1790163" y="1854505"/>
+            <a:ext cx="9856893" cy="3837957"/>
           </a:xfrm>
           <a:prstGeom prst="rect">
             <a:avLst/>
@@ -17181,7 +17213,7 @@
             </a:r>
             <a:r>
               <a:rPr lang="es-ES" sz="2800" dirty="0" smtClean="0"/>
-              <a:t>Tipos de usuarios.</a:t>
+              <a:t>Requisitos. Tipos de usuarios.</a:t>
             </a:r>
             <a:endParaRPr lang="es-ES" sz="2800" dirty="0"/>
           </a:p>
@@ -17839,8 +17871,9 @@
           <a:bodyPr/>
           <a:lstStyle/>
           <a:p>
-            <a:pPr marL="0" indent="0">
-              <a:buNone/>
+            <a:pPr>
+              <a:buFont typeface="Wingdings" panose="05000000000000000000" pitchFamily="2" charset="2"/>
+              <a:buChar char="à"/>
             </a:pPr>
             <a:r>
               <a:rPr lang="es-ES" b="1" dirty="0" smtClean="0">
@@ -17857,114 +17890,83 @@
                 </a:effectLst>
                 <a:sym typeface="Wingdings" panose="05000000000000000000" pitchFamily="2" charset="2"/>
               </a:rPr>
-              <a:t> Menú Agregar</a:t>
-            </a:r>
-            <a:endParaRPr lang="es-ES" b="1" dirty="0" smtClean="0">
-              <a:ln w="0"/>
-              <a:solidFill>
-                <a:schemeClr val="tx1"/>
-              </a:solidFill>
-              <a:effectLst>
-                <a:outerShdw blurRad="38100" dist="19050" dir="2700000" algn="tl" rotWithShape="0">
-                  <a:schemeClr val="dk1">
-                    <a:alpha val="40000"/>
-                  </a:schemeClr>
-                </a:outerShdw>
-              </a:effectLst>
-            </a:endParaRPr>
+              <a:t>Estadísticas</a:t>
+            </a:r>
           </a:p>
           <a:p>
             <a:r>
               <a:rPr lang="es-ES" dirty="0" smtClean="0"/>
-              <a:t>Se podrá </a:t>
+              <a:t>Será la </a:t>
+            </a:r>
+            <a:r>
+              <a:rPr lang="es-ES" b="1" dirty="0" smtClean="0"/>
+              <a:t>página principal </a:t>
+            </a:r>
+            <a:r>
+              <a:rPr lang="es-ES" dirty="0" smtClean="0"/>
+              <a:t>del </a:t>
             </a:r>
             <a:r>
               <a:rPr lang="es-ES" dirty="0"/>
-              <a:t>añadir a la base de datos </a:t>
-            </a:r>
-            <a:r>
-              <a:rPr lang="es-ES" b="1" i="1" dirty="0"/>
-              <a:t>proveedores</a:t>
-            </a:r>
-            <a:r>
-              <a:rPr lang="es-ES" dirty="0"/>
-              <a:t>, </a:t>
-            </a:r>
-            <a:r>
-              <a:rPr lang="es-ES" b="1" i="1" dirty="0"/>
-              <a:t>categorías</a:t>
-            </a:r>
-            <a:r>
-              <a:rPr lang="es-ES" dirty="0"/>
-              <a:t> de productos, </a:t>
+              <a:t>módulo y mostrará diversos datos, como el </a:t>
             </a:r>
             <a:r>
               <a:rPr lang="es-ES" b="1" dirty="0"/>
-              <a:t>productos</a:t>
-            </a:r>
-            <a:r>
-              <a:rPr lang="es-ES" dirty="0"/>
-              <a:t>, </a:t>
+              <a:t>número de </a:t>
+            </a:r>
+            <a:r>
+              <a:rPr lang="es-ES" b="1" dirty="0" smtClean="0"/>
+              <a:t>ventas, gráficos </a:t>
             </a:r>
             <a:r>
               <a:rPr lang="es-ES" b="1" dirty="0"/>
-              <a:t>clientes</a:t>
-            </a:r>
-            <a:r>
-              <a:rPr lang="es-ES" dirty="0"/>
-              <a:t> y </a:t>
+              <a:t>por </a:t>
+            </a:r>
+            <a:r>
+              <a:rPr lang="es-ES" b="1" dirty="0" smtClean="0"/>
+              <a:t>tipo </a:t>
             </a:r>
             <a:r>
               <a:rPr lang="es-ES" b="1" dirty="0"/>
-              <a:t>usuarios</a:t>
+              <a:t>de </a:t>
+            </a:r>
+            <a:r>
+              <a:rPr lang="es-ES" b="1" dirty="0" smtClean="0"/>
+              <a:t>cliente </a:t>
+            </a:r>
+            <a:r>
+              <a:rPr lang="es-ES" dirty="0" smtClean="0"/>
+              <a:t>y, </a:t>
+            </a:r>
+            <a:r>
+              <a:rPr lang="es-ES" b="1" dirty="0" smtClean="0"/>
+              <a:t>facturas </a:t>
+            </a:r>
+            <a:r>
+              <a:rPr lang="es-ES" b="1" dirty="0"/>
+              <a:t>pagadas y no pagadas</a:t>
             </a:r>
             <a:r>
               <a:rPr lang="es-ES" dirty="0"/>
               <a:t>. </a:t>
             </a:r>
-            <a:endParaRPr lang="es-ES" dirty="0" smtClean="0"/>
-          </a:p>
-          <a:p>
             <a:r>
               <a:rPr lang="es-ES" dirty="0" smtClean="0"/>
-              <a:t>El </a:t>
+              <a:t>También, </a:t>
             </a:r>
             <a:r>
               <a:rPr lang="es-ES" dirty="0"/>
-              <a:t>proceso de agregación </a:t>
-            </a:r>
-            <a:r>
-              <a:rPr lang="es-ES" dirty="0" smtClean="0"/>
-              <a:t>es </a:t>
-            </a:r>
-            <a:r>
-              <a:rPr lang="es-ES" dirty="0"/>
-              <a:t>común, se validan los datos y </a:t>
-            </a:r>
-            <a:r>
-              <a:rPr lang="es-ES" dirty="0" smtClean="0"/>
-              <a:t>se </a:t>
-            </a:r>
-            <a:r>
-              <a:rPr lang="es-ES" dirty="0"/>
-              <a:t>guardan </a:t>
-            </a:r>
-            <a:r>
-              <a:rPr lang="es-ES" dirty="0" smtClean="0"/>
-              <a:t>y </a:t>
-            </a:r>
-            <a:r>
-              <a:rPr lang="es-ES" dirty="0"/>
-              <a:t>ya podrían ser visibles desde el </a:t>
-            </a:r>
-            <a:r>
-              <a:rPr lang="es-ES" i="1" dirty="0"/>
-              <a:t>Menú de Listar</a:t>
-            </a:r>
-            <a:r>
-              <a:rPr lang="es-ES" dirty="0"/>
-              <a:t>. </a:t>
-            </a:r>
+              <a:t>se mostrará los </a:t>
+            </a:r>
+            <a:r>
+              <a:rPr lang="es-ES" b="1" dirty="0"/>
+              <a:t>productos más y menos vendidos.</a:t>
+            </a:r>
+          </a:p>
+          <a:p>
+            <a:pPr marL="0" indent="0">
+              <a:buNone/>
+            </a:pPr>
             <a:endParaRPr lang="es-ES" dirty="0" smtClean="0"/>
           </a:p>
           <a:p>
@@ -17977,69 +17979,7 @@
             <a:pPr marL="0" indent="0">
               <a:buNone/>
             </a:pPr>
-            <a:r>
-              <a:rPr lang="es-ES" dirty="0" smtClean="0"/>
-              <a:t>Destacando:</a:t>
-            </a:r>
-          </a:p>
-          <a:p>
-            <a:pPr>
-              <a:buFont typeface="+mj-lt"/>
-              <a:buAutoNum type="arabicPeriod"/>
-            </a:pPr>
-            <a:r>
-              <a:rPr lang="es-ES" dirty="0" smtClean="0"/>
-              <a:t>Al agregar un </a:t>
-            </a:r>
-            <a:r>
-              <a:rPr lang="es-ES" b="1" dirty="0" smtClean="0"/>
-              <a:t>usuario, </a:t>
-            </a:r>
-            <a:r>
-              <a:rPr lang="es-ES" dirty="0" smtClean="0"/>
-              <a:t>se le envía un correo al mismo con una contraseña aleatoria.</a:t>
-            </a:r>
-          </a:p>
-          <a:p>
-            <a:pPr>
-              <a:buFont typeface="+mj-lt"/>
-              <a:buAutoNum type="arabicPeriod"/>
-            </a:pPr>
-            <a:r>
-              <a:rPr lang="es-ES" dirty="0" smtClean="0"/>
-              <a:t>Al agregar un </a:t>
-            </a:r>
-            <a:r>
-              <a:rPr lang="es-ES" b="1" dirty="0" smtClean="0"/>
-              <a:t>cliente,</a:t>
-            </a:r>
-            <a:r>
-              <a:rPr lang="es-ES" dirty="0" smtClean="0"/>
-              <a:t> se elegirá el tipo de cliente </a:t>
-            </a:r>
-            <a:r>
-              <a:rPr lang="es-ES" b="1" dirty="0" smtClean="0"/>
-              <a:t>Mayorista </a:t>
-            </a:r>
-            <a:r>
-              <a:rPr lang="es-ES" dirty="0" smtClean="0"/>
-              <a:t>o </a:t>
-            </a:r>
-            <a:r>
-              <a:rPr lang="es-ES" b="1" dirty="0" smtClean="0"/>
-              <a:t>Minorista.</a:t>
-            </a:r>
-          </a:p>
-          <a:p>
-            <a:pPr marL="0" indent="0">
-              <a:buNone/>
-            </a:pPr>
-            <a:endParaRPr lang="es-ES" dirty="0" smtClean="0">
-              <a:ln w="0"/>
-              <a:solidFill>
-                <a:schemeClr val="tx1"/>
-              </a:solidFill>
-            </a:endParaRPr>
+            <a:endParaRPr lang="es-ES" b="1" dirty="0"/>
           </a:p>
         </p:txBody>
       </p:sp>
@@ -18171,7 +18111,7 @@
       </p:sp>
       <p:pic>
         <p:nvPicPr>
-          <p:cNvPr id="6" name="Imagen 5"/>
+          <p:cNvPr id="5" name="Imagen 4"/>
           <p:cNvPicPr>
             <a:picLocks noChangeAspect="1"/>
           </p:cNvPicPr>
@@ -18191,18 +18131,28 @@
         </p:blipFill>
         <p:spPr>
           <a:xfrm>
-            <a:off x="9686618" y="1811429"/>
-            <a:ext cx="2200582" cy="1895740"/>
+            <a:off x="4455954" y="2887667"/>
+            <a:ext cx="4765455" cy="3693437"/>
           </a:xfrm>
           <a:prstGeom prst="rect">
             <a:avLst/>
           </a:prstGeom>
+          <a:ln>
+            <a:noFill/>
+          </a:ln>
+          <a:effectLst>
+            <a:outerShdw blurRad="190500" algn="tl" rotWithShape="0">
+              <a:srgbClr val="000000">
+                <a:alpha val="70000"/>
+              </a:srgbClr>
+            </a:outerShdw>
+          </a:effectLst>
         </p:spPr>
       </p:pic>
     </p:spTree>
     <p:extLst>
       <p:ext uri="{BB962C8B-B14F-4D97-AF65-F5344CB8AC3E}">
-        <p14:creationId xmlns:p14="http://schemas.microsoft.com/office/powerpoint/2010/main" val="4130846255"/>
+        <p14:creationId xmlns:p14="http://schemas.microsoft.com/office/powerpoint/2010/main" val="2231944808"/>
       </p:ext>
     </p:extLst>
   </p:cSld>
@@ -18312,7 +18262,7 @@
                 </a:effectLst>
                 <a:sym typeface="Wingdings" panose="05000000000000000000" pitchFamily="2" charset="2"/>
               </a:rPr>
-              <a:t> Menú Listas</a:t>
+              <a:t> Menú Agregar</a:t>
             </a:r>
             <a:endParaRPr lang="es-ES" b="1" dirty="0" smtClean="0">
               <a:ln w="0"/>
@@ -18335,76 +18285,92 @@
             </a:r>
             <a:r>
               <a:rPr lang="es-ES" dirty="0"/>
-              <a:t>ver todos los </a:t>
-            </a:r>
+              <a:t>añadir a la base de datos </a:t>
+            </a:r>
+            <a:r>
+              <a:rPr lang="es-ES" b="1" i="1" dirty="0"/>
+              <a:t>proveedores</a:t>
+            </a:r>
+            <a:r>
+              <a:rPr lang="es-ES" dirty="0"/>
+              <a:t>, </a:t>
+            </a:r>
+            <a:r>
+              <a:rPr lang="es-ES" b="1" i="1" dirty="0"/>
+              <a:t>categorías</a:t>
+            </a:r>
+            <a:r>
+              <a:rPr lang="es-ES" dirty="0"/>
+              <a:t> de productos, </a:t>
+            </a:r>
+            <a:r>
+              <a:rPr lang="es-ES" b="1" dirty="0"/>
+              <a:t>productos</a:t>
+            </a:r>
+            <a:r>
+              <a:rPr lang="es-ES" dirty="0"/>
+              <a:t>, </a:t>
+            </a:r>
+            <a:r>
+              <a:rPr lang="es-ES" b="1" dirty="0"/>
+              <a:t>clientes</a:t>
+            </a:r>
+            <a:r>
+              <a:rPr lang="es-ES" dirty="0"/>
+              <a:t> y </a:t>
+            </a:r>
+            <a:r>
+              <a:rPr lang="es-ES" b="1" dirty="0"/>
+              <a:t>usuarios</a:t>
+            </a:r>
+            <a:r>
+              <a:rPr lang="es-ES" dirty="0"/>
+              <a:t>. </a:t>
+            </a:r>
+            <a:endParaRPr lang="es-ES" dirty="0" smtClean="0"/>
+          </a:p>
+          <a:p>
             <a:r>
               <a:rPr lang="es-ES" dirty="0" smtClean="0"/>
-              <a:t>elementos: </a:t>
-            </a:r>
-            <a:r>
-              <a:rPr lang="es-ES" b="1" dirty="0" smtClean="0"/>
-              <a:t>proveedores</a:t>
+              <a:t>El </a:t>
+            </a:r>
+            <a:r>
+              <a:rPr lang="es-ES" dirty="0"/>
+              <a:t>proceso de agregación </a:t>
             </a:r>
             <a:r>
               <a:rPr lang="es-ES" dirty="0" smtClean="0"/>
-              <a:t>, </a:t>
-            </a:r>
-            <a:r>
-              <a:rPr lang="es-ES" b="1" dirty="0" smtClean="0"/>
-              <a:t>categorías</a:t>
+              <a:t>es </a:t>
+            </a:r>
+            <a:r>
+              <a:rPr lang="es-ES" dirty="0"/>
+              <a:t>común, se validan los datos y </a:t>
             </a:r>
             <a:r>
               <a:rPr lang="es-ES" dirty="0" smtClean="0"/>
-              <a:t>, </a:t>
-            </a:r>
-            <a:r>
-              <a:rPr lang="es-ES" b="1" dirty="0" smtClean="0"/>
-              <a:t>productos</a:t>
+              <a:t>se </a:t>
+            </a:r>
+            <a:r>
+              <a:rPr lang="es-ES" dirty="0"/>
+              <a:t>guardan </a:t>
             </a:r>
             <a:r>
               <a:rPr lang="es-ES" dirty="0" smtClean="0"/>
-              <a:t>, </a:t>
-            </a:r>
-            <a:r>
-              <a:rPr lang="es-ES" b="1" dirty="0" smtClean="0"/>
-              <a:t>clientes</a:t>
-            </a:r>
-            <a:r>
-              <a:rPr lang="es-ES" dirty="0" smtClean="0"/>
-              <a:t> y </a:t>
-            </a:r>
-            <a:r>
-              <a:rPr lang="es-ES" b="1" dirty="0" smtClean="0"/>
-              <a:t>usuarios</a:t>
-            </a:r>
-            <a:r>
-              <a:rPr lang="es-ES" dirty="0" smtClean="0"/>
+              <a:t>y </a:t>
+            </a:r>
+            <a:r>
+              <a:rPr lang="es-ES" dirty="0"/>
+              <a:t>ya podrían ser visibles desde el </a:t>
+            </a:r>
+            <a:r>
+              <a:rPr lang="es-ES" i="1" dirty="0"/>
+              <a:t>Menú de Listar</a:t>
+            </a:r>
+            <a:r>
+              <a:rPr lang="es-ES" dirty="0"/>
               <a:t>. </a:t>
             </a:r>
-            <a:r>
-              <a:rPr lang="es-ES" dirty="0"/>
-              <a:t>Teniendo la </a:t>
-            </a:r>
-            <a:r>
-              <a:rPr lang="es-ES" dirty="0" smtClean="0"/>
-              <a:t>opción de ver cada </a:t>
-            </a:r>
-            <a:r>
-              <a:rPr lang="es-ES" dirty="0"/>
-              <a:t>elemento en </a:t>
-            </a:r>
-            <a:r>
-              <a:rPr lang="es-ES" dirty="0" smtClean="0"/>
-              <a:t>detalle, modificarlo </a:t>
-            </a:r>
-            <a:r>
-              <a:rPr lang="es-ES" dirty="0"/>
-              <a:t>o, darlo de baja o de </a:t>
-            </a:r>
-            <a:r>
-              <a:rPr lang="es-ES" dirty="0" smtClean="0"/>
-              <a:t>alta.</a:t>
-            </a:r>
+            <a:endParaRPr lang="es-ES" dirty="0" smtClean="0"/>
           </a:p>
           <a:p>
             <a:pPr marL="0" indent="0">
@@ -18416,12 +18382,6 @@
             <a:pPr marL="0" indent="0">
               <a:buNone/>
             </a:pPr>
-            <a:endParaRPr lang="es-ES" dirty="0"/>
-          </a:p>
-          <a:p>
-            <a:pPr marL="0" indent="0">
-              <a:buNone/>
-            </a:pPr>
             <a:r>
               <a:rPr lang="es-ES" dirty="0" smtClean="0"/>
               <a:t>Destacando:</a:t>
@@ -18434,15 +18394,15 @@
             </a:pPr>
             <a:r>
               <a:rPr lang="es-ES" dirty="0" smtClean="0"/>
-              <a:t>En cada lista, se podrá </a:t>
+              <a:t>Al agregar un </a:t>
             </a:r>
             <a:r>
               <a:rPr lang="es-ES" b="1" dirty="0" smtClean="0"/>
-              <a:t>buscar</a:t>
+              <a:t>usuario, </a:t>
             </a:r>
             <a:r>
               <a:rPr lang="es-ES" dirty="0" smtClean="0"/>
-              <a:t> cualquier campo.</a:t>
+              <a:t>se le envía un correo al mismo con una contraseña.</a:t>
             </a:r>
           </a:p>
           <a:p>
@@ -18452,66 +18412,43 @@
             </a:pPr>
             <a:r>
               <a:rPr lang="es-ES" dirty="0" smtClean="0"/>
-              <a:t>Al </a:t>
+              <a:t>Al agregar un </a:t>
             </a:r>
             <a:r>
               <a:rPr lang="es-ES" b="1" dirty="0" smtClean="0"/>
-              <a:t>usuario, </a:t>
+              <a:t>cliente,</a:t>
             </a:r>
             <a:r>
               <a:rPr lang="es-ES" dirty="0" smtClean="0"/>
-              <a:t>solo se le podrá dar de alta o de baja.</a:t>
-            </a:r>
-          </a:p>
-          <a:p>
-            <a:pPr>
-              <a:buFont typeface="+mj-lt"/>
-              <a:buAutoNum type="arabicPeriod"/>
+              <a:t> se elegirá el tipo de </a:t>
+            </a:r>
+            <a:r>
+              <a:rPr lang="es-ES" dirty="0" smtClean="0"/>
+              <a:t>cliente: </a:t>
+            </a:r>
+            <a:r>
+              <a:rPr lang="es-ES" b="1" dirty="0" smtClean="0"/>
+              <a:t>Mayorista </a:t>
+            </a:r>
+            <a:r>
+              <a:rPr lang="es-ES" dirty="0" smtClean="0"/>
+              <a:t>o </a:t>
+            </a:r>
+            <a:r>
+              <a:rPr lang="es-ES" b="1" dirty="0" smtClean="0"/>
+              <a:t>Minorista.</a:t>
+            </a:r>
+          </a:p>
+          <a:p>
+            <a:pPr marL="0" indent="0">
+              <a:buNone/>
             </a:pPr>
-            <a:r>
-              <a:rPr lang="es-ES" dirty="0" smtClean="0"/>
-              <a:t>En la </a:t>
-            </a:r>
-            <a:r>
-              <a:rPr lang="es-ES" b="1" dirty="0" smtClean="0"/>
-              <a:t>lista de facturas </a:t>
-            </a:r>
-            <a:r>
-              <a:rPr lang="es-ES" dirty="0" smtClean="0"/>
-              <a:t>se podrá ver las facturas pendientes y pagadas.</a:t>
-            </a:r>
-          </a:p>
-          <a:p>
-            <a:pPr lvl="1"/>
-            <a:r>
-              <a:rPr lang="es-ES" b="1" dirty="0" smtClean="0"/>
-              <a:t>Pendientes</a:t>
-            </a:r>
-            <a:r>
-              <a:rPr lang="es-ES" dirty="0" smtClean="0"/>
-              <a:t>: se podrá ver en PDF, cambiarle un descuento o marcarla como pagada.</a:t>
-            </a:r>
-          </a:p>
-          <a:p>
-            <a:pPr lvl="1"/>
-            <a:r>
-              <a:rPr lang="es-ES" b="1" dirty="0" smtClean="0"/>
-              <a:t>Pagadas</a:t>
-            </a:r>
-            <a:r>
-              <a:rPr lang="es-ES" dirty="0" smtClean="0"/>
-              <a:t>: se podrá ver o descargar en PDF.</a:t>
-            </a:r>
-          </a:p>
-          <a:p>
-            <a:pPr>
-              <a:buFont typeface="Arial" panose="020B0604020202020204" pitchFamily="34" charset="0"/>
-              <a:buChar char="•"/>
-            </a:pPr>
-            <a:endParaRPr lang="es-ES" dirty="0" smtClean="0"/>
-          </a:p>
-          <a:p>
-            <a:endParaRPr lang="es-ES" b="1" dirty="0"/>
+            <a:endParaRPr lang="es-ES" dirty="0" smtClean="0">
+              <a:ln w="0"/>
+              <a:solidFill>
+                <a:schemeClr val="tx1"/>
+              </a:solidFill>
+            </a:endParaRPr>
           </a:p>
         </p:txBody>
       </p:sp>
@@ -18643,7 +18580,7 @@
       </p:sp>
       <p:pic>
         <p:nvPicPr>
-          <p:cNvPr id="5" name="Imagen 4"/>
+          <p:cNvPr id="6" name="Imagen 5"/>
           <p:cNvPicPr>
             <a:picLocks noChangeAspect="1"/>
           </p:cNvPicPr>
@@ -18663,128 +18600,8 @@
         </p:blipFill>
         <p:spPr>
           <a:xfrm>
-            <a:off x="9796175" y="1860240"/>
-            <a:ext cx="2181529" cy="2124371"/>
-          </a:xfrm>
-          <a:prstGeom prst="rect">
-            <a:avLst/>
-          </a:prstGeom>
-        </p:spPr>
-      </p:pic>
-      <p:pic>
-        <p:nvPicPr>
-          <p:cNvPr id="9" name="Imagen 8"/>
-          <p:cNvPicPr>
-            <a:picLocks noChangeAspect="1"/>
-          </p:cNvPicPr>
-          <p:nvPr/>
-        </p:nvPicPr>
-        <p:blipFill>
-          <a:blip r:embed="rId5">
-            <a:extLst>
-              <a:ext uri="{28A0092B-C50C-407E-A947-70E740481C1C}">
-                <a14:useLocalDpi xmlns:a14="http://schemas.microsoft.com/office/drawing/2010/main" val="0"/>
-              </a:ext>
-            </a:extLst>
-          </a:blip>
-          <a:stretch>
-            <a:fillRect/>
-          </a:stretch>
-        </p:blipFill>
-        <p:spPr>
-          <a:xfrm>
-            <a:off x="4971521" y="2674740"/>
-            <a:ext cx="2151237" cy="570736"/>
-          </a:xfrm>
-          <a:prstGeom prst="rect">
-            <a:avLst/>
-          </a:prstGeom>
-        </p:spPr>
-      </p:pic>
-      <p:pic>
-        <p:nvPicPr>
-          <p:cNvPr id="13" name="Imagen 12"/>
-          <p:cNvPicPr>
-            <a:picLocks noChangeAspect="1"/>
-          </p:cNvPicPr>
-          <p:nvPr/>
-        </p:nvPicPr>
-        <p:blipFill>
-          <a:blip r:embed="rId6">
-            <a:extLst>
-              <a:ext uri="{28A0092B-C50C-407E-A947-70E740481C1C}">
-                <a14:useLocalDpi xmlns:a14="http://schemas.microsoft.com/office/drawing/2010/main" val="0"/>
-              </a:ext>
-            </a:extLst>
-          </a:blip>
-          <a:stretch>
-            <a:fillRect/>
-          </a:stretch>
-        </p:blipFill>
-        <p:spPr>
-          <a:xfrm>
-            <a:off x="9686618" y="5427224"/>
-            <a:ext cx="1438476" cy="409632"/>
-          </a:xfrm>
-          <a:prstGeom prst="rect">
-            <a:avLst/>
-          </a:prstGeom>
-        </p:spPr>
-      </p:pic>
-      <p:pic>
-        <p:nvPicPr>
-          <p:cNvPr id="14" name="Imagen 13"/>
-          <p:cNvPicPr>
-            <a:picLocks noChangeAspect="1"/>
-          </p:cNvPicPr>
-          <p:nvPr/>
-        </p:nvPicPr>
-        <p:blipFill>
-          <a:blip r:embed="rId7">
-            <a:extLst>
-              <a:ext uri="{28A0092B-C50C-407E-A947-70E740481C1C}">
-                <a14:useLocalDpi xmlns:a14="http://schemas.microsoft.com/office/drawing/2010/main" val="0"/>
-              </a:ext>
-            </a:extLst>
-          </a:blip>
-          <a:stretch>
-            <a:fillRect/>
-          </a:stretch>
-        </p:blipFill>
-        <p:spPr>
-          <a:xfrm>
-            <a:off x="7122758" y="5885572"/>
-            <a:ext cx="1057423" cy="485843"/>
-          </a:xfrm>
-          <a:prstGeom prst="rect">
-            <a:avLst/>
-          </a:prstGeom>
-        </p:spPr>
-      </p:pic>
-      <p:pic>
-        <p:nvPicPr>
-          <p:cNvPr id="6" name="Imagen 5"/>
-          <p:cNvPicPr>
-            <a:picLocks noChangeAspect="1"/>
-          </p:cNvPicPr>
-          <p:nvPr/>
-        </p:nvPicPr>
-        <p:blipFill>
-          <a:blip r:embed="rId8">
-            <a:extLst>
-              <a:ext uri="{28A0092B-C50C-407E-A947-70E740481C1C}">
-                <a14:useLocalDpi xmlns:a14="http://schemas.microsoft.com/office/drawing/2010/main" val="0"/>
-              </a:ext>
-            </a:extLst>
-          </a:blip>
-          <a:stretch>
-            <a:fillRect/>
-          </a:stretch>
-        </p:blipFill>
-        <p:spPr>
-          <a:xfrm>
-            <a:off x="4154551" y="2581933"/>
-            <a:ext cx="707413" cy="663543"/>
+            <a:off x="9686618" y="1811429"/>
+            <a:ext cx="2200582" cy="1895740"/>
           </a:xfrm>
           <a:prstGeom prst="rect">
             <a:avLst/>
@@ -18794,7 +18611,7 @@
     </p:spTree>
     <p:extLst>
       <p:ext uri="{BB962C8B-B14F-4D97-AF65-F5344CB8AC3E}">
-        <p14:creationId xmlns:p14="http://schemas.microsoft.com/office/powerpoint/2010/main" val="4001240290"/>
+        <p14:creationId xmlns:p14="http://schemas.microsoft.com/office/powerpoint/2010/main" val="4130846255"/>
       </p:ext>
     </p:extLst>
   </p:cSld>
@@ -18904,91 +18721,98 @@
                 </a:effectLst>
                 <a:sym typeface="Wingdings" panose="05000000000000000000" pitchFamily="2" charset="2"/>
               </a:rPr>
-              <a:t> Configuración de plantillas.</a:t>
-            </a:r>
-            <a:endParaRPr lang="es-ES" dirty="0" smtClean="0"/>
+              <a:t> Menú Listas</a:t>
+            </a:r>
+            <a:endParaRPr lang="es-ES" b="1" dirty="0" smtClean="0">
+              <a:ln w="0"/>
+              <a:solidFill>
+                <a:schemeClr val="tx1"/>
+              </a:solidFill>
+              <a:effectLst>
+                <a:outerShdw blurRad="38100" dist="19050" dir="2700000" algn="tl" rotWithShape="0">
+                  <a:schemeClr val="dk1">
+                    <a:alpha val="40000"/>
+                  </a:schemeClr>
+                </a:outerShdw>
+              </a:effectLst>
+            </a:endParaRPr>
           </a:p>
           <a:p>
             <a:r>
               <a:rPr lang="es-ES" dirty="0" smtClean="0"/>
-              <a:t>Se podrá elegir la plantilla que usará cada módulo, cambiando totalmente su aspecto. </a:t>
-            </a:r>
-          </a:p>
-          <a:p>
-            <a:pPr marL="0" indent="0">
-              <a:buNone/>
-            </a:pPr>
-            <a:endParaRPr lang="es-ES" b="1" dirty="0" smtClean="0"/>
-          </a:p>
-          <a:p>
-            <a:pPr marL="0" indent="0">
-              <a:buNone/>
-            </a:pPr>
-            <a:endParaRPr lang="es-ES" b="1" dirty="0"/>
-          </a:p>
-          <a:p>
-            <a:pPr marL="0" indent="0">
-              <a:buNone/>
-            </a:pPr>
-            <a:endParaRPr lang="es-ES" b="1" dirty="0" smtClean="0"/>
-          </a:p>
-          <a:p>
-            <a:pPr marL="0" indent="0">
-              <a:buNone/>
-            </a:pPr>
-            <a:endParaRPr lang="es-ES" b="1" dirty="0"/>
-          </a:p>
-          <a:p>
-            <a:pPr marL="0" indent="0">
-              <a:buNone/>
-            </a:pPr>
-            <a:endParaRPr lang="es-ES" b="1" dirty="0" smtClean="0"/>
-          </a:p>
-          <a:p>
-            <a:pPr marL="0" indent="0">
-              <a:buNone/>
-            </a:pPr>
-            <a:endParaRPr lang="es-ES" b="1" dirty="0"/>
-          </a:p>
-          <a:p>
-            <a:pPr>
-              <a:buFont typeface="Wingdings" panose="05000000000000000000" pitchFamily="2" charset="2"/>
-              <a:buChar char="à"/>
-            </a:pPr>
-            <a:r>
-              <a:rPr lang="es-ES" b="1" dirty="0" smtClean="0">
-                <a:ln w="0"/>
-                <a:solidFill>
-                  <a:schemeClr val="tx1"/>
-                </a:solidFill>
-                <a:effectLst>
-                  <a:outerShdw blurRad="38100" dist="19050" dir="2700000" algn="tl" rotWithShape="0">
-                    <a:schemeClr val="dk1">
-                      <a:alpha val="40000"/>
-                    </a:schemeClr>
-                  </a:outerShdw>
-                </a:effectLst>
-                <a:sym typeface="Wingdings" panose="05000000000000000000" pitchFamily="2" charset="2"/>
-              </a:rPr>
-              <a:t>Avisos de productos con stock bajos</a:t>
-            </a:r>
-          </a:p>
-          <a:p>
+              <a:t>Se podrá </a:t>
+            </a:r>
+            <a:r>
+              <a:rPr lang="es-ES" dirty="0"/>
+              <a:t>ver todos los </a:t>
+            </a:r>
             <a:r>
               <a:rPr lang="es-ES" dirty="0" smtClean="0"/>
-              <a:t>Aparecerán </a:t>
+              <a:t>elementos: </a:t>
+            </a:r>
+            <a:r>
+              <a:rPr lang="es-ES" b="1" dirty="0" smtClean="0"/>
+              <a:t>proveedores</a:t>
+            </a:r>
+            <a:r>
+              <a:rPr lang="es-ES" dirty="0" smtClean="0"/>
+              <a:t>, </a:t>
+            </a:r>
+            <a:r>
+              <a:rPr lang="es-ES" b="1" dirty="0" smtClean="0"/>
+              <a:t>categorías</a:t>
+            </a:r>
+            <a:r>
+              <a:rPr lang="es-ES" dirty="0" smtClean="0"/>
+              <a:t>, </a:t>
+            </a:r>
+            <a:r>
+              <a:rPr lang="es-ES" b="1" dirty="0" smtClean="0"/>
+              <a:t>productos</a:t>
+            </a:r>
+            <a:r>
+              <a:rPr lang="es-ES" dirty="0" smtClean="0"/>
+              <a:t>, </a:t>
+            </a:r>
+            <a:r>
+              <a:rPr lang="es-ES" b="1" dirty="0" smtClean="0"/>
+              <a:t>clientes</a:t>
+            </a:r>
+            <a:r>
+              <a:rPr lang="es-ES" dirty="0" smtClean="0"/>
+              <a:t> y </a:t>
+            </a:r>
+            <a:r>
+              <a:rPr lang="es-ES" b="1" dirty="0" smtClean="0"/>
+              <a:t>usuarios</a:t>
+            </a:r>
+            <a:r>
+              <a:rPr lang="es-ES" dirty="0" smtClean="0"/>
+              <a:t>. </a:t>
             </a:r>
             <a:r>
               <a:rPr lang="es-ES" dirty="0"/>
-              <a:t>avisos cuando un producto tenga </a:t>
+              <a:t>Teniendo la </a:t>
             </a:r>
             <a:r>
               <a:rPr lang="es-ES" dirty="0" smtClean="0"/>
-              <a:t>un stock de </a:t>
+              <a:t>opción de ver cada </a:t>
             </a:r>
             <a:r>
               <a:rPr lang="es-ES" dirty="0"/>
-              <a:t>50 productos o menos.</a:t>
+              <a:t>elemento en </a:t>
+            </a:r>
+            <a:r>
+              <a:rPr lang="es-ES" dirty="0" smtClean="0"/>
+              <a:t>detalle, modificarlo </a:t>
+            </a:r>
+            <a:r>
+              <a:rPr lang="es-ES" dirty="0"/>
+              <a:t>o, darlo de baja o de </a:t>
+            </a:r>
+            <a:r>
+              <a:rPr lang="es-ES" dirty="0" smtClean="0"/>
+              <a:t>alta.</a:t>
             </a:r>
           </a:p>
           <a:p>
@@ -19001,6 +18825,114 @@
             <a:pPr marL="0" indent="0">
               <a:buNone/>
             </a:pPr>
+            <a:endParaRPr lang="es-ES" dirty="0"/>
+          </a:p>
+          <a:p>
+            <a:pPr marL="0" indent="0">
+              <a:buNone/>
+            </a:pPr>
+            <a:r>
+              <a:rPr lang="es-ES" dirty="0" smtClean="0"/>
+              <a:t>Destacando:</a:t>
+            </a:r>
+          </a:p>
+          <a:p>
+            <a:pPr>
+              <a:buFont typeface="+mj-lt"/>
+              <a:buAutoNum type="arabicPeriod"/>
+            </a:pPr>
+            <a:r>
+              <a:rPr lang="es-ES" dirty="0" smtClean="0"/>
+              <a:t>En cada lista, se podrá </a:t>
+            </a:r>
+            <a:r>
+              <a:rPr lang="es-ES" b="1" dirty="0" smtClean="0"/>
+              <a:t>buscar</a:t>
+            </a:r>
+            <a:r>
+              <a:rPr lang="es-ES" dirty="0" smtClean="0"/>
+              <a:t> por cualquier campo.</a:t>
+            </a:r>
+          </a:p>
+          <a:p>
+            <a:pPr>
+              <a:buFont typeface="+mj-lt"/>
+              <a:buAutoNum type="arabicPeriod"/>
+            </a:pPr>
+            <a:r>
+              <a:rPr lang="es-ES" dirty="0" smtClean="0"/>
+              <a:t>Al </a:t>
+            </a:r>
+            <a:r>
+              <a:rPr lang="es-ES" b="1" dirty="0" smtClean="0"/>
+              <a:t>usuario, </a:t>
+            </a:r>
+            <a:r>
+              <a:rPr lang="es-ES" dirty="0" smtClean="0"/>
+              <a:t>solo se le podrá dar de alta o de baja y ver sus datos.</a:t>
+            </a:r>
+          </a:p>
+          <a:p>
+            <a:pPr>
+              <a:buFont typeface="+mj-lt"/>
+              <a:buAutoNum type="arabicPeriod"/>
+            </a:pPr>
+            <a:r>
+              <a:rPr lang="es-ES" dirty="0" smtClean="0"/>
+              <a:t>En la </a:t>
+            </a:r>
+            <a:r>
+              <a:rPr lang="es-ES" b="1" dirty="0" smtClean="0"/>
+              <a:t>lista de facturas </a:t>
+            </a:r>
+            <a:r>
+              <a:rPr lang="es-ES" dirty="0" smtClean="0"/>
+              <a:t>se podrá ver las facturas pendientes y pagadas.</a:t>
+            </a:r>
+          </a:p>
+          <a:p>
+            <a:pPr lvl="1"/>
+            <a:r>
+              <a:rPr lang="es-ES" b="1" dirty="0" smtClean="0"/>
+              <a:t>Pendientes</a:t>
+            </a:r>
+            <a:r>
+              <a:rPr lang="es-ES" dirty="0" smtClean="0"/>
+              <a:t>: se podrá ver en PDF, marcarla como </a:t>
+            </a:r>
+            <a:r>
+              <a:rPr lang="es-ES" dirty="0"/>
+              <a:t>pagada o </a:t>
+            </a:r>
+            <a:r>
+              <a:rPr lang="es-ES" dirty="0" smtClean="0"/>
+              <a:t>aplicarle un descuento</a:t>
+            </a:r>
+            <a:r>
+              <a:rPr lang="es-ES" dirty="0"/>
+              <a:t>.</a:t>
+            </a:r>
+            <a:endParaRPr lang="es-ES" dirty="0" smtClean="0"/>
+          </a:p>
+          <a:p>
+            <a:pPr lvl="1"/>
+            <a:r>
+              <a:rPr lang="es-ES" b="1" dirty="0" smtClean="0"/>
+              <a:t>Pagadas</a:t>
+            </a:r>
+            <a:r>
+              <a:rPr lang="es-ES" dirty="0" smtClean="0"/>
+              <a:t>: se podrá ver o descargar en PDF.</a:t>
+            </a:r>
+          </a:p>
+          <a:p>
+            <a:pPr>
+              <a:buFont typeface="Arial" panose="020B0604020202020204" pitchFamily="34" charset="0"/>
+              <a:buChar char="•"/>
+            </a:pPr>
+            <a:endParaRPr lang="es-ES" dirty="0" smtClean="0"/>
+          </a:p>
+          <a:p>
             <a:endParaRPr lang="es-ES" b="1" dirty="0"/>
           </a:p>
         </p:txBody>
@@ -19133,7 +19065,7 @@
       </p:sp>
       <p:pic>
         <p:nvPicPr>
-          <p:cNvPr id="6" name="Imagen 5"/>
+          <p:cNvPr id="5" name="Imagen 4"/>
           <p:cNvPicPr>
             <a:picLocks noChangeAspect="1"/>
           </p:cNvPicPr>
@@ -19153,27 +19085,17 @@
         </p:blipFill>
         <p:spPr>
           <a:xfrm>
-            <a:off x="2176530" y="2451578"/>
-            <a:ext cx="6709893" cy="2143990"/>
+            <a:off x="9796175" y="1860240"/>
+            <a:ext cx="2181529" cy="2124371"/>
           </a:xfrm>
           <a:prstGeom prst="rect">
             <a:avLst/>
           </a:prstGeom>
-          <a:ln>
-            <a:noFill/>
-          </a:ln>
-          <a:effectLst>
-            <a:outerShdw blurRad="190500" algn="tl" rotWithShape="0">
-              <a:srgbClr val="000000">
-                <a:alpha val="70000"/>
-              </a:srgbClr>
-            </a:outerShdw>
-          </a:effectLst>
         </p:spPr>
       </p:pic>
       <p:pic>
         <p:nvPicPr>
-          <p:cNvPr id="10" name="Imagen 9"/>
+          <p:cNvPr id="9" name="Imagen 8"/>
           <p:cNvPicPr>
             <a:picLocks noChangeAspect="1"/>
           </p:cNvPicPr>
@@ -19193,8 +19115,8 @@
         </p:blipFill>
         <p:spPr>
           <a:xfrm>
-            <a:off x="4655911" y="5659028"/>
-            <a:ext cx="1952898" cy="924054"/>
+            <a:off x="4971521" y="2674740"/>
+            <a:ext cx="2151237" cy="570736"/>
           </a:xfrm>
           <a:prstGeom prst="rect">
             <a:avLst/>
@@ -19211,10 +19133,180 @@
           </a:effectLst>
         </p:spPr>
       </p:pic>
+      <p:pic>
+        <p:nvPicPr>
+          <p:cNvPr id="13" name="Imagen 12"/>
+          <p:cNvPicPr>
+            <a:picLocks noChangeAspect="1"/>
+          </p:cNvPicPr>
+          <p:nvPr/>
+        </p:nvPicPr>
+        <p:blipFill>
+          <a:blip r:embed="rId6">
+            <a:extLst>
+              <a:ext uri="{28A0092B-C50C-407E-A947-70E740481C1C}">
+                <a14:useLocalDpi xmlns:a14="http://schemas.microsoft.com/office/drawing/2010/main" val="0"/>
+              </a:ext>
+            </a:extLst>
+          </a:blip>
+          <a:stretch>
+            <a:fillRect/>
+          </a:stretch>
+        </p:blipFill>
+        <p:spPr>
+          <a:xfrm>
+            <a:off x="10264462" y="5333346"/>
+            <a:ext cx="1438476" cy="409632"/>
+          </a:xfrm>
+          <a:prstGeom prst="rect">
+            <a:avLst/>
+          </a:prstGeom>
+          <a:ln>
+            <a:noFill/>
+          </a:ln>
+          <a:effectLst>
+            <a:outerShdw blurRad="190500" algn="tl" rotWithShape="0">
+              <a:srgbClr val="000000">
+                <a:alpha val="70000"/>
+              </a:srgbClr>
+            </a:outerShdw>
+          </a:effectLst>
+        </p:spPr>
+      </p:pic>
+      <p:pic>
+        <p:nvPicPr>
+          <p:cNvPr id="14" name="Imagen 13"/>
+          <p:cNvPicPr>
+            <a:picLocks noChangeAspect="1"/>
+          </p:cNvPicPr>
+          <p:nvPr/>
+        </p:nvPicPr>
+        <p:blipFill>
+          <a:blip r:embed="rId7">
+            <a:extLst>
+              <a:ext uri="{28A0092B-C50C-407E-A947-70E740481C1C}">
+                <a14:useLocalDpi xmlns:a14="http://schemas.microsoft.com/office/drawing/2010/main" val="0"/>
+              </a:ext>
+            </a:extLst>
+          </a:blip>
+          <a:stretch>
+            <a:fillRect/>
+          </a:stretch>
+        </p:blipFill>
+        <p:spPr>
+          <a:xfrm>
+            <a:off x="7694141" y="5856758"/>
+            <a:ext cx="1057423" cy="485843"/>
+          </a:xfrm>
+          <a:prstGeom prst="rect">
+            <a:avLst/>
+          </a:prstGeom>
+          <a:ln>
+            <a:noFill/>
+          </a:ln>
+          <a:effectLst>
+            <a:outerShdw blurRad="190500" algn="tl" rotWithShape="0">
+              <a:srgbClr val="000000">
+                <a:alpha val="70000"/>
+              </a:srgbClr>
+            </a:outerShdw>
+          </a:effectLst>
+        </p:spPr>
+      </p:pic>
+      <p:pic>
+        <p:nvPicPr>
+          <p:cNvPr id="6" name="Imagen 5"/>
+          <p:cNvPicPr>
+            <a:picLocks noChangeAspect="1"/>
+          </p:cNvPicPr>
+          <p:nvPr/>
+        </p:nvPicPr>
+        <p:blipFill>
+          <a:blip r:embed="rId8">
+            <a:extLst>
+              <a:ext uri="{28A0092B-C50C-407E-A947-70E740481C1C}">
+                <a14:useLocalDpi xmlns:a14="http://schemas.microsoft.com/office/drawing/2010/main" val="0"/>
+              </a:ext>
+            </a:extLst>
+          </a:blip>
+          <a:stretch>
+            <a:fillRect/>
+          </a:stretch>
+        </p:blipFill>
+        <p:spPr>
+          <a:xfrm>
+            <a:off x="4154551" y="2581933"/>
+            <a:ext cx="707413" cy="663543"/>
+          </a:xfrm>
+          <a:prstGeom prst="rect">
+            <a:avLst/>
+          </a:prstGeom>
+        </p:spPr>
+      </p:pic>
+      <p:pic>
+        <p:nvPicPr>
+          <p:cNvPr id="12" name="Imagen 11"/>
+          <p:cNvPicPr>
+            <a:picLocks noChangeAspect="1"/>
+          </p:cNvPicPr>
+          <p:nvPr/>
+        </p:nvPicPr>
+        <p:blipFill>
+          <a:blip r:embed="rId8">
+            <a:extLst>
+              <a:ext uri="{28A0092B-C50C-407E-A947-70E740481C1C}">
+                <a14:useLocalDpi xmlns:a14="http://schemas.microsoft.com/office/drawing/2010/main" val="0"/>
+              </a:ext>
+            </a:extLst>
+          </a:blip>
+          <a:stretch>
+            <a:fillRect/>
+          </a:stretch>
+        </p:blipFill>
+        <p:spPr>
+          <a:xfrm>
+            <a:off x="9686619" y="5333851"/>
+            <a:ext cx="436176" cy="409127"/>
+          </a:xfrm>
+          <a:prstGeom prst="rect">
+            <a:avLst/>
+          </a:prstGeom>
+        </p:spPr>
+      </p:pic>
+      <p:pic>
+        <p:nvPicPr>
+          <p:cNvPr id="15" name="Imagen 14"/>
+          <p:cNvPicPr>
+            <a:picLocks noChangeAspect="1"/>
+          </p:cNvPicPr>
+          <p:nvPr/>
+        </p:nvPicPr>
+        <p:blipFill>
+          <a:blip r:embed="rId8">
+            <a:extLst>
+              <a:ext uri="{28A0092B-C50C-407E-A947-70E740481C1C}">
+                <a14:useLocalDpi xmlns:a14="http://schemas.microsoft.com/office/drawing/2010/main" val="0"/>
+              </a:ext>
+            </a:extLst>
+          </a:blip>
+          <a:stretch>
+            <a:fillRect/>
+          </a:stretch>
+        </p:blipFill>
+        <p:spPr>
+          <a:xfrm>
+            <a:off x="7122758" y="5895117"/>
+            <a:ext cx="436176" cy="409127"/>
+          </a:xfrm>
+          <a:prstGeom prst="rect">
+            <a:avLst/>
+          </a:prstGeom>
+        </p:spPr>
+      </p:pic>
     </p:spTree>
     <p:extLst>
       <p:ext uri="{BB962C8B-B14F-4D97-AF65-F5344CB8AC3E}">
-        <p14:creationId xmlns:p14="http://schemas.microsoft.com/office/powerpoint/2010/main" val="4006861933"/>
+        <p14:creationId xmlns:p14="http://schemas.microsoft.com/office/powerpoint/2010/main" val="4001240290"/>
       </p:ext>
     </p:extLst>
   </p:cSld>
@@ -19306,9 +19398,8 @@
           <a:bodyPr/>
           <a:lstStyle/>
           <a:p>
-            <a:pPr>
-              <a:buFont typeface="Wingdings" panose="05000000000000000000" pitchFamily="2" charset="2"/>
-              <a:buChar char="à"/>
+            <a:pPr marL="0" indent="0">
+              <a:buNone/>
             </a:pPr>
             <a:r>
               <a:rPr lang="es-ES" b="1" dirty="0" smtClean="0">
@@ -19325,84 +19416,100 @@
                 </a:effectLst>
                 <a:sym typeface="Wingdings" panose="05000000000000000000" pitchFamily="2" charset="2"/>
               </a:rPr>
-              <a:t>Estadísticas</a:t>
-            </a:r>
+              <a:t> Configuración de plantillas.</a:t>
+            </a:r>
+            <a:endParaRPr lang="es-ES" dirty="0" smtClean="0"/>
           </a:p>
           <a:p>
             <a:r>
               <a:rPr lang="es-ES" dirty="0" smtClean="0"/>
-              <a:t>Será la </a:t>
-            </a:r>
-            <a:r>
-              <a:rPr lang="es-ES" b="1" dirty="0" smtClean="0"/>
-              <a:t>página principal </a:t>
-            </a:r>
-            <a:r>
-              <a:rPr lang="es-ES" dirty="0" smtClean="0"/>
-              <a:t>del </a:t>
-            </a:r>
-            <a:r>
-              <a:rPr lang="es-ES" dirty="0"/>
-              <a:t>módulo y mostrará diversos datos, como el </a:t>
-            </a:r>
-            <a:r>
-              <a:rPr lang="es-ES" b="1" dirty="0"/>
-              <a:t>número de </a:t>
-            </a:r>
-            <a:r>
-              <a:rPr lang="es-ES" b="1" dirty="0" smtClean="0"/>
-              <a:t>ventas, gráficos </a:t>
-            </a:r>
-            <a:r>
-              <a:rPr lang="es-ES" b="1" dirty="0"/>
-              <a:t>por </a:t>
-            </a:r>
-            <a:r>
-              <a:rPr lang="es-ES" b="1" dirty="0" smtClean="0"/>
-              <a:t>tipo </a:t>
-            </a:r>
-            <a:r>
-              <a:rPr lang="es-ES" b="1" dirty="0"/>
-              <a:t>de </a:t>
-            </a:r>
-            <a:r>
-              <a:rPr lang="es-ES" b="1" dirty="0" smtClean="0"/>
-              <a:t>cliente </a:t>
-            </a:r>
-            <a:r>
-              <a:rPr lang="es-ES" dirty="0" smtClean="0"/>
-              <a:t>y, </a:t>
-            </a:r>
-            <a:r>
-              <a:rPr lang="es-ES" b="1" dirty="0" smtClean="0"/>
-              <a:t>facturas </a:t>
-            </a:r>
-            <a:r>
-              <a:rPr lang="es-ES" b="1" dirty="0"/>
-              <a:t>pagadas y no pagadas</a:t>
-            </a:r>
-            <a:r>
-              <a:rPr lang="es-ES" dirty="0"/>
-              <a:t>. </a:t>
-            </a:r>
-            <a:r>
-              <a:rPr lang="es-ES" dirty="0" smtClean="0"/>
-              <a:t>También, </a:t>
-            </a:r>
-            <a:r>
-              <a:rPr lang="es-ES" dirty="0"/>
-              <a:t>se mostrará los </a:t>
-            </a:r>
-            <a:r>
-              <a:rPr lang="es-ES" b="1" dirty="0"/>
-              <a:t>productos más y menos vendidos.</a:t>
+              <a:t>Se podrá elegir la plantilla que usará cada módulo, cambiando totalmente su aspecto. </a:t>
             </a:r>
           </a:p>
           <a:p>
             <a:pPr marL="0" indent="0">
               <a:buNone/>
             </a:pPr>
-            <a:endParaRPr lang="es-ES" dirty="0" smtClean="0"/>
+            <a:endParaRPr lang="es-ES" b="1" dirty="0" smtClean="0"/>
+          </a:p>
+          <a:p>
+            <a:pPr marL="0" indent="0">
+              <a:buNone/>
+            </a:pPr>
+            <a:endParaRPr lang="es-ES" b="1" dirty="0"/>
+          </a:p>
+          <a:p>
+            <a:pPr marL="0" indent="0">
+              <a:buNone/>
+            </a:pPr>
+            <a:endParaRPr lang="es-ES" b="1" dirty="0" smtClean="0"/>
+          </a:p>
+          <a:p>
+            <a:pPr marL="0" indent="0">
+              <a:buNone/>
+            </a:pPr>
+            <a:endParaRPr lang="es-ES" b="1" dirty="0"/>
+          </a:p>
+          <a:p>
+            <a:pPr marL="0" indent="0">
+              <a:buNone/>
+            </a:pPr>
+            <a:endParaRPr lang="es-ES" b="1" dirty="0" smtClean="0"/>
+          </a:p>
+          <a:p>
+            <a:pPr marL="0" indent="0">
+              <a:buNone/>
+            </a:pPr>
+            <a:endParaRPr lang="es-ES" b="1" dirty="0"/>
+          </a:p>
+          <a:p>
+            <a:pPr>
+              <a:buFont typeface="Wingdings" panose="05000000000000000000" pitchFamily="2" charset="2"/>
+              <a:buChar char="à"/>
+            </a:pPr>
+            <a:r>
+              <a:rPr lang="es-ES" b="1" dirty="0" smtClean="0">
+                <a:ln w="0"/>
+                <a:solidFill>
+                  <a:schemeClr val="tx1"/>
+                </a:solidFill>
+                <a:effectLst>
+                  <a:outerShdw blurRad="38100" dist="19050" dir="2700000" algn="tl" rotWithShape="0">
+                    <a:schemeClr val="dk1">
+                      <a:alpha val="40000"/>
+                    </a:schemeClr>
+                  </a:outerShdw>
+                </a:effectLst>
+                <a:sym typeface="Wingdings" panose="05000000000000000000" pitchFamily="2" charset="2"/>
+              </a:rPr>
+              <a:t>Avisos de productos con stock bajos</a:t>
+            </a:r>
+          </a:p>
+          <a:p>
+            <a:r>
+              <a:rPr lang="es-ES" dirty="0" smtClean="0"/>
+              <a:t>Aparecerán </a:t>
+            </a:r>
+            <a:r>
+              <a:rPr lang="es-ES" dirty="0"/>
+              <a:t>avisos cuando un producto tenga </a:t>
+            </a:r>
+            <a:r>
+              <a:rPr lang="es-ES" dirty="0" smtClean="0"/>
+              <a:t>un stock de </a:t>
+            </a:r>
+            <a:r>
+              <a:rPr lang="es-ES" dirty="0"/>
+              <a:t>50 </a:t>
+            </a:r>
+            <a:r>
+              <a:rPr lang="es-ES" dirty="0" smtClean="0"/>
+              <a:t>artículos o </a:t>
+            </a:r>
+            <a:r>
+              <a:rPr lang="es-ES" dirty="0"/>
+              <a:t>menos.</a:t>
+            </a:r>
           </a:p>
           <a:p>
             <a:pPr marL="0" indent="0">
@@ -19546,7 +19653,7 @@
       </p:sp>
       <p:pic>
         <p:nvPicPr>
-          <p:cNvPr id="5" name="Imagen 4"/>
+          <p:cNvPr id="6" name="Imagen 5"/>
           <p:cNvPicPr>
             <a:picLocks noChangeAspect="1"/>
           </p:cNvPicPr>
@@ -19566,8 +19673,8 @@
         </p:blipFill>
         <p:spPr>
           <a:xfrm>
-            <a:off x="4420685" y="3000777"/>
-            <a:ext cx="4765455" cy="3693437"/>
+            <a:off x="2277413" y="2451578"/>
+            <a:ext cx="6709893" cy="2143990"/>
           </a:xfrm>
           <a:prstGeom prst="rect">
             <a:avLst/>
@@ -19584,10 +19691,50 @@
           </a:effectLst>
         </p:spPr>
       </p:pic>
+      <p:pic>
+        <p:nvPicPr>
+          <p:cNvPr id="10" name="Imagen 9"/>
+          <p:cNvPicPr>
+            <a:picLocks noChangeAspect="1"/>
+          </p:cNvPicPr>
+          <p:nvPr/>
+        </p:nvPicPr>
+        <p:blipFill>
+          <a:blip r:embed="rId5">
+            <a:extLst>
+              <a:ext uri="{28A0092B-C50C-407E-A947-70E740481C1C}">
+                <a14:useLocalDpi xmlns:a14="http://schemas.microsoft.com/office/drawing/2010/main" val="0"/>
+              </a:ext>
+            </a:extLst>
+          </a:blip>
+          <a:stretch>
+            <a:fillRect/>
+          </a:stretch>
+        </p:blipFill>
+        <p:spPr>
+          <a:xfrm>
+            <a:off x="4655911" y="5659028"/>
+            <a:ext cx="1952898" cy="924054"/>
+          </a:xfrm>
+          <a:prstGeom prst="rect">
+            <a:avLst/>
+          </a:prstGeom>
+          <a:ln>
+            <a:noFill/>
+          </a:ln>
+          <a:effectLst>
+            <a:outerShdw blurRad="190500" algn="tl" rotWithShape="0">
+              <a:srgbClr val="000000">
+                <a:alpha val="70000"/>
+              </a:srgbClr>
+            </a:outerShdw>
+          </a:effectLst>
+        </p:spPr>
+      </p:pic>
     </p:spTree>
     <p:extLst>
       <p:ext uri="{BB962C8B-B14F-4D97-AF65-F5344CB8AC3E}">
-        <p14:creationId xmlns:p14="http://schemas.microsoft.com/office/powerpoint/2010/main" val="2231944808"/>
+        <p14:creationId xmlns:p14="http://schemas.microsoft.com/office/powerpoint/2010/main" val="4006861933"/>
       </p:ext>
     </p:extLst>
   </p:cSld>
